--- a/documents/final_presentation.pptx
+++ b/documents/final_presentation.pptx
@@ -15,8 +15,8 @@
     <p:sldId id="260" r:id="rId6"/>
     <p:sldId id="263" r:id="rId7"/>
     <p:sldId id="264" r:id="rId8"/>
-    <p:sldId id="265" r:id="rId9"/>
-    <p:sldId id="266" r:id="rId10"/>
+    <p:sldId id="266" r:id="rId9"/>
+    <p:sldId id="269" r:id="rId10"/>
     <p:sldId id="267" r:id="rId11"/>
     <p:sldId id="268" r:id="rId12"/>
     <p:sldId id="262" r:id="rId13"/>
@@ -7132,7 +7132,7 @@
           <a:p>
             <a:fld id="{A5C20BB3-3CCB-4FE5-991B-82F6BCB48AF3}" type="datetimeFigureOut">
               <a:rPr lang="en-US" smtClean="0"/>
-              <a:t>12/15/2020</a:t>
+              <a:t>12/17/2020</a:t>
             </a:fld>
             <a:endParaRPr lang="en-US"/>
           </a:p>
@@ -9283,7 +9283,7 @@
     </p:spTree>
     <p:extLst>
       <p:ext uri="{BB962C8B-B14F-4D97-AF65-F5344CB8AC3E}">
-        <p14:creationId xmlns:p14="http://schemas.microsoft.com/office/powerpoint/2010/main" val="2155329245"/>
+        <p14:creationId xmlns:p14="http://schemas.microsoft.com/office/powerpoint/2010/main" val="3341916445"/>
       </p:ext>
     </p:extLst>
   </p:cSld>
@@ -9367,7 +9367,7 @@
     </p:spTree>
     <p:extLst>
       <p:ext uri="{BB962C8B-B14F-4D97-AF65-F5344CB8AC3E}">
-        <p14:creationId xmlns:p14="http://schemas.microsoft.com/office/powerpoint/2010/main" val="3341916445"/>
+        <p14:creationId xmlns:p14="http://schemas.microsoft.com/office/powerpoint/2010/main" val="3502162782"/>
       </p:ext>
     </p:extLst>
   </p:cSld>
@@ -9854,7 +9854,7 @@
             <a:fld id="{3C633830-2244-49AE-BC4A-47F415C177C6}" type="datetimeFigureOut">
               <a:rPr lang="en-US" dirty="0"/>
               <a:pPr/>
-              <a:t>12/15/2020</a:t>
+              <a:t>12/17/2020</a:t>
             </a:fld>
             <a:endParaRPr lang="en-US" dirty="0"/>
           </a:p>
@@ -10102,7 +10102,7 @@
           <a:p>
             <a:fld id="{3C633830-2244-49AE-BC4A-47F415C177C6}" type="datetimeFigureOut">
               <a:rPr lang="en-US" dirty="0"/>
-              <a:t>12/15/2020</a:t>
+              <a:t>12/17/2020</a:t>
             </a:fld>
             <a:endParaRPr lang="en-US" dirty="0"/>
           </a:p>
@@ -10488,7 +10488,7 @@
           <a:p>
             <a:fld id="{3C633830-2244-49AE-BC4A-47F415C177C6}" type="datetimeFigureOut">
               <a:rPr lang="en-US" dirty="0"/>
-              <a:t>12/15/2020</a:t>
+              <a:t>12/17/2020</a:t>
             </a:fld>
             <a:endParaRPr lang="en-US" dirty="0"/>
           </a:p>
@@ -10783,7 +10783,7 @@
           <a:p>
             <a:fld id="{3652CD92-9D15-43B4-8516-073FCDAC90D4}" type="datetimeFigureOut">
               <a:rPr lang="en-US" smtClean="0"/>
-              <a:t>12/15/2020</a:t>
+              <a:t>12/17/2020</a:t>
             </a:fld>
             <a:endParaRPr lang="en-US"/>
           </a:p>
@@ -10990,7 +10990,7 @@
           <a:p>
             <a:fld id="{3C633830-2244-49AE-BC4A-47F415C177C6}" type="datetimeFigureOut">
               <a:rPr lang="en-US" dirty="0"/>
-              <a:t>12/15/2020</a:t>
+              <a:t>12/17/2020</a:t>
             </a:fld>
             <a:endParaRPr lang="en-US" dirty="0"/>
           </a:p>
@@ -11482,7 +11482,7 @@
             <a:fld id="{3C633830-2244-49AE-BC4A-47F415C177C6}" type="datetimeFigureOut">
               <a:rPr lang="en-US" dirty="0"/>
               <a:pPr/>
-              <a:t>12/15/2020</a:t>
+              <a:t>12/17/2020</a:t>
             </a:fld>
             <a:endParaRPr lang="en-US" dirty="0"/>
           </a:p>
@@ -11793,7 +11793,7 @@
           <a:p>
             <a:fld id="{3C633830-2244-49AE-BC4A-47F415C177C6}" type="datetimeFigureOut">
               <a:rPr lang="en-US" dirty="0"/>
-              <a:t>12/15/2020</a:t>
+              <a:t>12/17/2020</a:t>
             </a:fld>
             <a:endParaRPr lang="en-US" dirty="0"/>
           </a:p>
@@ -12184,7 +12184,7 @@
           <a:p>
             <a:fld id="{3C633830-2244-49AE-BC4A-47F415C177C6}" type="datetimeFigureOut">
               <a:rPr lang="en-US" dirty="0"/>
-              <a:t>12/15/2020</a:t>
+              <a:t>12/17/2020</a:t>
             </a:fld>
             <a:endParaRPr lang="en-US" dirty="0"/>
           </a:p>
@@ -12302,7 +12302,7 @@
           <a:p>
             <a:fld id="{3C633830-2244-49AE-BC4A-47F415C177C6}" type="datetimeFigureOut">
               <a:rPr lang="en-US" dirty="0"/>
-              <a:t>12/15/2020</a:t>
+              <a:t>12/17/2020</a:t>
             </a:fld>
             <a:endParaRPr lang="en-US" dirty="0"/>
           </a:p>
@@ -12397,7 +12397,7 @@
           <a:p>
             <a:fld id="{3C633830-2244-49AE-BC4A-47F415C177C6}" type="datetimeFigureOut">
               <a:rPr lang="en-US" dirty="0"/>
-              <a:t>12/15/2020</a:t>
+              <a:t>12/17/2020</a:t>
             </a:fld>
             <a:endParaRPr lang="en-US" dirty="0"/>
           </a:p>
@@ -12697,7 +12697,7 @@
           <a:p>
             <a:fld id="{3C633830-2244-49AE-BC4A-47F415C177C6}" type="datetimeFigureOut">
               <a:rPr lang="en-US" dirty="0"/>
-              <a:t>12/15/2020</a:t>
+              <a:t>12/17/2020</a:t>
             </a:fld>
             <a:endParaRPr lang="en-US" dirty="0"/>
           </a:p>
@@ -12962,7 +12962,7 @@
           <a:p>
             <a:fld id="{3C633830-2244-49AE-BC4A-47F415C177C6}" type="datetimeFigureOut">
               <a:rPr lang="en-US" dirty="0"/>
-              <a:t>12/15/2020</a:t>
+              <a:t>12/17/2020</a:t>
             </a:fld>
             <a:endParaRPr lang="en-US" dirty="0"/>
           </a:p>
@@ -13381,7 +13381,7 @@
             <a:fld id="{3C633830-2244-49AE-BC4A-47F415C177C6}" type="datetimeFigureOut">
               <a:rPr lang="en-US" dirty="0"/>
               <a:pPr/>
-              <a:t>12/15/2020</a:t>
+              <a:t>12/17/2020</a:t>
             </a:fld>
             <a:endParaRPr lang="en-US" dirty="0"/>
           </a:p>
@@ -14020,7 +14020,7 @@
           <a:p>
             <a:fld id="{3652CD92-9D15-43B4-8516-073FCDAC90D4}" type="datetimeFigureOut">
               <a:rPr lang="en-US" smtClean="0"/>
-              <a:t>12/15/2020</a:t>
+              <a:t>12/17/2020</a:t>
             </a:fld>
             <a:endParaRPr lang="en-US"/>
           </a:p>
@@ -19834,934 +19834,6 @@
       </p:grpSpPr>
       <p:sp>
         <p:nvSpPr>
-          <p:cNvPr id="36" name="Freeform 6">
-            <a:extLst>
-              <a:ext uri="{FF2B5EF4-FFF2-40B4-BE49-F238E27FC236}">
-                <a16:creationId xmlns:a16="http://schemas.microsoft.com/office/drawing/2014/main" id="{49EC5C96-A5B7-48AF-865B-32EA92606F85}"/>
-              </a:ext>
-              <a:ext uri="{C183D7F6-B498-43B3-948B-1728B52AA6E4}">
-                <adec:decorative xmlns:adec="http://schemas.microsoft.com/office/drawing/2017/decorative" val="1"/>
-              </a:ext>
-            </a:extLst>
-          </p:cNvPr>
-          <p:cNvSpPr>
-            <a:spLocks noGrp="1" noRot="1" noChangeAspect="1" noMove="1" noResize="1" noEditPoints="1" noAdjustHandles="1" noChangeArrowheads="1" noChangeShapeType="1" noTextEdit="1"/>
-          </p:cNvSpPr>
-          <p:nvPr>
-            <p:extLst>
-              <p:ext uri="{386F3935-93C4-4BCD-93E2-E3B085C9AB24}">
-                <p16:designElem xmlns:p16="http://schemas.microsoft.com/office/powerpoint/2015/main" val="1"/>
-              </p:ext>
-            </p:extLst>
-          </p:nvPr>
-        </p:nvSpPr>
-        <p:spPr bwMode="auto">
-          <a:xfrm>
-            <a:off x="11784011" y="1189204"/>
-            <a:ext cx="407988" cy="819150"/>
-          </a:xfrm>
-          <a:custGeom>
-            <a:avLst/>
-            <a:gdLst/>
-            <a:ahLst/>
-            <a:cxnLst/>
-            <a:rect l="0" t="0" r="r" b="b"/>
-            <a:pathLst>
-              <a:path w="1799" h="3612">
-                <a:moveTo>
-                  <a:pt x="1799" y="0"/>
-                </a:moveTo>
-                <a:lnTo>
-                  <a:pt x="1799" y="3612"/>
-                </a:lnTo>
-                <a:lnTo>
-                  <a:pt x="1686" y="3609"/>
-                </a:lnTo>
-                <a:lnTo>
-                  <a:pt x="1574" y="3598"/>
-                </a:lnTo>
-                <a:lnTo>
-                  <a:pt x="1464" y="3581"/>
-                </a:lnTo>
-                <a:lnTo>
-                  <a:pt x="1357" y="3557"/>
-                </a:lnTo>
-                <a:lnTo>
-                  <a:pt x="1251" y="3527"/>
-                </a:lnTo>
-                <a:lnTo>
-                  <a:pt x="1150" y="3490"/>
-                </a:lnTo>
-                <a:lnTo>
-                  <a:pt x="1050" y="3448"/>
-                </a:lnTo>
-                <a:lnTo>
-                  <a:pt x="953" y="3401"/>
-                </a:lnTo>
-                <a:lnTo>
-                  <a:pt x="860" y="3347"/>
-                </a:lnTo>
-                <a:lnTo>
-                  <a:pt x="771" y="3289"/>
-                </a:lnTo>
-                <a:lnTo>
-                  <a:pt x="686" y="3224"/>
-                </a:lnTo>
-                <a:lnTo>
-                  <a:pt x="604" y="3156"/>
-                </a:lnTo>
-                <a:lnTo>
-                  <a:pt x="527" y="3083"/>
-                </a:lnTo>
-                <a:lnTo>
-                  <a:pt x="454" y="3005"/>
-                </a:lnTo>
-                <a:lnTo>
-                  <a:pt x="386" y="2923"/>
-                </a:lnTo>
-                <a:lnTo>
-                  <a:pt x="323" y="2838"/>
-                </a:lnTo>
-                <a:lnTo>
-                  <a:pt x="265" y="2748"/>
-                </a:lnTo>
-                <a:lnTo>
-                  <a:pt x="211" y="2655"/>
-                </a:lnTo>
-                <a:lnTo>
-                  <a:pt x="163" y="2559"/>
-                </a:lnTo>
-                <a:lnTo>
-                  <a:pt x="121" y="2459"/>
-                </a:lnTo>
-                <a:lnTo>
-                  <a:pt x="85" y="2356"/>
-                </a:lnTo>
-                <a:lnTo>
-                  <a:pt x="55" y="2251"/>
-                </a:lnTo>
-                <a:lnTo>
-                  <a:pt x="32" y="2143"/>
-                </a:lnTo>
-                <a:lnTo>
-                  <a:pt x="14" y="2033"/>
-                </a:lnTo>
-                <a:lnTo>
-                  <a:pt x="4" y="1920"/>
-                </a:lnTo>
-                <a:lnTo>
-                  <a:pt x="0" y="1806"/>
-                </a:lnTo>
-                <a:lnTo>
-                  <a:pt x="4" y="1692"/>
-                </a:lnTo>
-                <a:lnTo>
-                  <a:pt x="14" y="1580"/>
-                </a:lnTo>
-                <a:lnTo>
-                  <a:pt x="32" y="1469"/>
-                </a:lnTo>
-                <a:lnTo>
-                  <a:pt x="55" y="1362"/>
-                </a:lnTo>
-                <a:lnTo>
-                  <a:pt x="85" y="1256"/>
-                </a:lnTo>
-                <a:lnTo>
-                  <a:pt x="121" y="1154"/>
-                </a:lnTo>
-                <a:lnTo>
-                  <a:pt x="163" y="1054"/>
-                </a:lnTo>
-                <a:lnTo>
-                  <a:pt x="211" y="958"/>
-                </a:lnTo>
-                <a:lnTo>
-                  <a:pt x="265" y="864"/>
-                </a:lnTo>
-                <a:lnTo>
-                  <a:pt x="323" y="774"/>
-                </a:lnTo>
-                <a:lnTo>
-                  <a:pt x="386" y="689"/>
-                </a:lnTo>
-                <a:lnTo>
-                  <a:pt x="454" y="607"/>
-                </a:lnTo>
-                <a:lnTo>
-                  <a:pt x="527" y="529"/>
-                </a:lnTo>
-                <a:lnTo>
-                  <a:pt x="604" y="456"/>
-                </a:lnTo>
-                <a:lnTo>
-                  <a:pt x="686" y="388"/>
-                </a:lnTo>
-                <a:lnTo>
-                  <a:pt x="771" y="325"/>
-                </a:lnTo>
-                <a:lnTo>
-                  <a:pt x="860" y="266"/>
-                </a:lnTo>
-                <a:lnTo>
-                  <a:pt x="953" y="212"/>
-                </a:lnTo>
-                <a:lnTo>
-                  <a:pt x="1050" y="164"/>
-                </a:lnTo>
-                <a:lnTo>
-                  <a:pt x="1150" y="122"/>
-                </a:lnTo>
-                <a:lnTo>
-                  <a:pt x="1251" y="85"/>
-                </a:lnTo>
-                <a:lnTo>
-                  <a:pt x="1357" y="55"/>
-                </a:lnTo>
-                <a:lnTo>
-                  <a:pt x="1464" y="32"/>
-                </a:lnTo>
-                <a:lnTo>
-                  <a:pt x="1574" y="14"/>
-                </a:lnTo>
-                <a:lnTo>
-                  <a:pt x="1686" y="5"/>
-                </a:lnTo>
-                <a:lnTo>
-                  <a:pt x="1799" y="0"/>
-                </a:lnTo>
-                <a:close/>
-              </a:path>
-            </a:pathLst>
-          </a:custGeom>
-          <a:solidFill>
-            <a:schemeClr val="tx2"/>
-          </a:solidFill>
-          <a:ln w="0">
-            <a:noFill/>
-            <a:prstDash val="solid"/>
-            <a:round/>
-            <a:headEnd/>
-            <a:tailEnd/>
-          </a:ln>
-        </p:spPr>
-      </p:sp>
-      <p:cxnSp>
-        <p:nvCxnSpPr>
-          <p:cNvPr id="38" name="Straight Connector 37">
-            <a:extLst>
-              <a:ext uri="{FF2B5EF4-FFF2-40B4-BE49-F238E27FC236}">
-                <a16:creationId xmlns:a16="http://schemas.microsoft.com/office/drawing/2014/main" id="{87D3361C-8AD4-4C09-8E01-4332488617AB}"/>
-              </a:ext>
-              <a:ext uri="{C183D7F6-B498-43B3-948B-1728B52AA6E4}">
-                <adec:decorative xmlns:adec="http://schemas.microsoft.com/office/drawing/2017/decorative" val="1"/>
-              </a:ext>
-            </a:extLst>
-          </p:cNvPr>
-          <p:cNvCxnSpPr>
-            <a:cxnSpLocks noGrp="1" noRot="1" noChangeAspect="1" noMove="1" noResize="1" noEditPoints="1" noAdjustHandles="1" noChangeArrowheads="1" noChangeShapeType="1"/>
-          </p:cNvCxnSpPr>
-          <p:nvPr>
-            <p:extLst>
-              <p:ext uri="{386F3935-93C4-4BCD-93E2-E3B085C9AB24}">
-                <p16:designElem xmlns:p16="http://schemas.microsoft.com/office/powerpoint/2015/main" val="1"/>
-              </p:ext>
-            </p:extLst>
-          </p:nvPr>
-        </p:nvCxnSpPr>
-        <p:spPr>
-          <a:xfrm>
-            <a:off x="773855" y="1257300"/>
-            <a:ext cx="0" cy="5600700"/>
-          </a:xfrm>
-          <a:prstGeom prst="line">
-            <a:avLst/>
-          </a:prstGeom>
-          <a:ln w="25400">
-            <a:solidFill>
-              <a:schemeClr val="tx2"/>
-            </a:solidFill>
-          </a:ln>
-        </p:spPr>
-        <p:style>
-          <a:lnRef idx="1">
-            <a:schemeClr val="accent1"/>
-          </a:lnRef>
-          <a:fillRef idx="0">
-            <a:schemeClr val="accent1"/>
-          </a:fillRef>
-          <a:effectRef idx="0">
-            <a:schemeClr val="accent1"/>
-          </a:effectRef>
-          <a:fontRef idx="minor">
-            <a:schemeClr val="tx1"/>
-          </a:fontRef>
-        </p:style>
-      </p:cxnSp>
-      <p:sp useBgFill="1">
-        <p:nvSpPr>
-          <p:cNvPr id="40" name="Rectangle 39">
-            <a:extLst>
-              <a:ext uri="{FF2B5EF4-FFF2-40B4-BE49-F238E27FC236}">
-                <a16:creationId xmlns:a16="http://schemas.microsoft.com/office/drawing/2014/main" id="{2A0E4E09-FC02-4ADC-951A-3FFA90B6FE39}"/>
-              </a:ext>
-              <a:ext uri="{C183D7F6-B498-43B3-948B-1728B52AA6E4}">
-                <adec:decorative xmlns:adec="http://schemas.microsoft.com/office/drawing/2017/decorative" val="1"/>
-              </a:ext>
-            </a:extLst>
-          </p:cNvPr>
-          <p:cNvSpPr>
-            <a:spLocks noGrp="1" noRot="1" noChangeAspect="1" noMove="1" noResize="1" noEditPoints="1" noAdjustHandles="1" noChangeArrowheads="1" noChangeShapeType="1" noTextEdit="1"/>
-          </p:cNvSpPr>
-          <p:nvPr>
-            <p:extLst>
-              <p:ext uri="{386F3935-93C4-4BCD-93E2-E3B085C9AB24}">
-                <p16:designElem xmlns:p16="http://schemas.microsoft.com/office/powerpoint/2015/main" val="1"/>
-              </p:ext>
-            </p:extLst>
-          </p:nvPr>
-        </p:nvSpPr>
-        <p:spPr>
-          <a:xfrm>
-            <a:off x="305" y="0"/>
-            <a:ext cx="12191695" cy="6858000"/>
-          </a:xfrm>
-          <a:prstGeom prst="rect">
-            <a:avLst/>
-          </a:prstGeom>
-          <a:ln>
-            <a:noFill/>
-          </a:ln>
-        </p:spPr>
-        <p:style>
-          <a:lnRef idx="2">
-            <a:schemeClr val="accent1">
-              <a:shade val="50000"/>
-            </a:schemeClr>
-          </a:lnRef>
-          <a:fillRef idx="1">
-            <a:schemeClr val="accent1"/>
-          </a:fillRef>
-          <a:effectRef idx="0">
-            <a:schemeClr val="accent1"/>
-          </a:effectRef>
-          <a:fontRef idx="minor">
-            <a:schemeClr val="lt1"/>
-          </a:fontRef>
-        </p:style>
-        <p:txBody>
-          <a:bodyPr rtlCol="0" anchor="ctr"/>
-          <a:lstStyle/>
-          <a:p>
-            <a:pPr algn="ctr"/>
-            <a:endParaRPr lang="en-US"/>
-          </a:p>
-        </p:txBody>
-      </p:sp>
-      <p:sp>
-        <p:nvSpPr>
-          <p:cNvPr id="42" name="Freeform 6">
-            <a:extLst>
-              <a:ext uri="{FF2B5EF4-FFF2-40B4-BE49-F238E27FC236}">
-                <a16:creationId xmlns:a16="http://schemas.microsoft.com/office/drawing/2014/main" id="{D3686B33-4E07-4542-8F02-1876C8359B8D}"/>
-              </a:ext>
-              <a:ext uri="{C183D7F6-B498-43B3-948B-1728B52AA6E4}">
-                <adec:decorative xmlns:adec="http://schemas.microsoft.com/office/drawing/2017/decorative" val="1"/>
-              </a:ext>
-            </a:extLst>
-          </p:cNvPr>
-          <p:cNvSpPr>
-            <a:spLocks noGrp="1" noRot="1" noChangeAspect="1" noMove="1" noResize="1" noEditPoints="1" noAdjustHandles="1" noChangeArrowheads="1" noChangeShapeType="1" noTextEdit="1"/>
-          </p:cNvSpPr>
-          <p:nvPr>
-            <p:extLst>
-              <p:ext uri="{386F3935-93C4-4BCD-93E2-E3B085C9AB24}">
-                <p16:designElem xmlns:p16="http://schemas.microsoft.com/office/powerpoint/2015/main" val="1"/>
-              </p:ext>
-            </p:extLst>
-          </p:nvPr>
-        </p:nvSpPr>
-        <p:spPr bwMode="auto">
-          <a:xfrm flipH="1">
-            <a:off x="1" y="1189204"/>
-            <a:ext cx="407988" cy="819150"/>
-          </a:xfrm>
-          <a:custGeom>
-            <a:avLst/>
-            <a:gdLst/>
-            <a:ahLst/>
-            <a:cxnLst/>
-            <a:rect l="0" t="0" r="r" b="b"/>
-            <a:pathLst>
-              <a:path w="1799" h="3612">
-                <a:moveTo>
-                  <a:pt x="1799" y="0"/>
-                </a:moveTo>
-                <a:lnTo>
-                  <a:pt x="1799" y="3612"/>
-                </a:lnTo>
-                <a:lnTo>
-                  <a:pt x="1686" y="3609"/>
-                </a:lnTo>
-                <a:lnTo>
-                  <a:pt x="1574" y="3598"/>
-                </a:lnTo>
-                <a:lnTo>
-                  <a:pt x="1464" y="3581"/>
-                </a:lnTo>
-                <a:lnTo>
-                  <a:pt x="1357" y="3557"/>
-                </a:lnTo>
-                <a:lnTo>
-                  <a:pt x="1251" y="3527"/>
-                </a:lnTo>
-                <a:lnTo>
-                  <a:pt x="1150" y="3490"/>
-                </a:lnTo>
-                <a:lnTo>
-                  <a:pt x="1050" y="3448"/>
-                </a:lnTo>
-                <a:lnTo>
-                  <a:pt x="953" y="3401"/>
-                </a:lnTo>
-                <a:lnTo>
-                  <a:pt x="860" y="3347"/>
-                </a:lnTo>
-                <a:lnTo>
-                  <a:pt x="771" y="3289"/>
-                </a:lnTo>
-                <a:lnTo>
-                  <a:pt x="686" y="3224"/>
-                </a:lnTo>
-                <a:lnTo>
-                  <a:pt x="604" y="3156"/>
-                </a:lnTo>
-                <a:lnTo>
-                  <a:pt x="527" y="3083"/>
-                </a:lnTo>
-                <a:lnTo>
-                  <a:pt x="454" y="3005"/>
-                </a:lnTo>
-                <a:lnTo>
-                  <a:pt x="386" y="2923"/>
-                </a:lnTo>
-                <a:lnTo>
-                  <a:pt x="323" y="2838"/>
-                </a:lnTo>
-                <a:lnTo>
-                  <a:pt x="265" y="2748"/>
-                </a:lnTo>
-                <a:lnTo>
-                  <a:pt x="211" y="2655"/>
-                </a:lnTo>
-                <a:lnTo>
-                  <a:pt x="163" y="2559"/>
-                </a:lnTo>
-                <a:lnTo>
-                  <a:pt x="121" y="2459"/>
-                </a:lnTo>
-                <a:lnTo>
-                  <a:pt x="85" y="2356"/>
-                </a:lnTo>
-                <a:lnTo>
-                  <a:pt x="55" y="2251"/>
-                </a:lnTo>
-                <a:lnTo>
-                  <a:pt x="32" y="2143"/>
-                </a:lnTo>
-                <a:lnTo>
-                  <a:pt x="14" y="2033"/>
-                </a:lnTo>
-                <a:lnTo>
-                  <a:pt x="4" y="1920"/>
-                </a:lnTo>
-                <a:lnTo>
-                  <a:pt x="0" y="1806"/>
-                </a:lnTo>
-                <a:lnTo>
-                  <a:pt x="4" y="1692"/>
-                </a:lnTo>
-                <a:lnTo>
-                  <a:pt x="14" y="1580"/>
-                </a:lnTo>
-                <a:lnTo>
-                  <a:pt x="32" y="1469"/>
-                </a:lnTo>
-                <a:lnTo>
-                  <a:pt x="55" y="1362"/>
-                </a:lnTo>
-                <a:lnTo>
-                  <a:pt x="85" y="1256"/>
-                </a:lnTo>
-                <a:lnTo>
-                  <a:pt x="121" y="1154"/>
-                </a:lnTo>
-                <a:lnTo>
-                  <a:pt x="163" y="1054"/>
-                </a:lnTo>
-                <a:lnTo>
-                  <a:pt x="211" y="958"/>
-                </a:lnTo>
-                <a:lnTo>
-                  <a:pt x="265" y="864"/>
-                </a:lnTo>
-                <a:lnTo>
-                  <a:pt x="323" y="774"/>
-                </a:lnTo>
-                <a:lnTo>
-                  <a:pt x="386" y="689"/>
-                </a:lnTo>
-                <a:lnTo>
-                  <a:pt x="454" y="607"/>
-                </a:lnTo>
-                <a:lnTo>
-                  <a:pt x="527" y="529"/>
-                </a:lnTo>
-                <a:lnTo>
-                  <a:pt x="604" y="456"/>
-                </a:lnTo>
-                <a:lnTo>
-                  <a:pt x="686" y="388"/>
-                </a:lnTo>
-                <a:lnTo>
-                  <a:pt x="771" y="325"/>
-                </a:lnTo>
-                <a:lnTo>
-                  <a:pt x="860" y="266"/>
-                </a:lnTo>
-                <a:lnTo>
-                  <a:pt x="953" y="212"/>
-                </a:lnTo>
-                <a:lnTo>
-                  <a:pt x="1050" y="164"/>
-                </a:lnTo>
-                <a:lnTo>
-                  <a:pt x="1150" y="122"/>
-                </a:lnTo>
-                <a:lnTo>
-                  <a:pt x="1251" y="85"/>
-                </a:lnTo>
-                <a:lnTo>
-                  <a:pt x="1357" y="55"/>
-                </a:lnTo>
-                <a:lnTo>
-                  <a:pt x="1464" y="32"/>
-                </a:lnTo>
-                <a:lnTo>
-                  <a:pt x="1574" y="14"/>
-                </a:lnTo>
-                <a:lnTo>
-                  <a:pt x="1686" y="5"/>
-                </a:lnTo>
-                <a:lnTo>
-                  <a:pt x="1799" y="0"/>
-                </a:lnTo>
-                <a:close/>
-              </a:path>
-            </a:pathLst>
-          </a:custGeom>
-          <a:solidFill>
-            <a:schemeClr val="tx2"/>
-          </a:solidFill>
-          <a:ln w="0">
-            <a:noFill/>
-            <a:prstDash val="solid"/>
-            <a:round/>
-            <a:headEnd/>
-            <a:tailEnd/>
-          </a:ln>
-        </p:spPr>
-      </p:sp>
-      <p:sp>
-        <p:nvSpPr>
-          <p:cNvPr id="44" name="Freeform: Shape 43">
-            <a:extLst>
-              <a:ext uri="{FF2B5EF4-FFF2-40B4-BE49-F238E27FC236}">
-                <a16:creationId xmlns:a16="http://schemas.microsoft.com/office/drawing/2014/main" id="{5D44B584-65A7-4029-A075-505AA5EAEBB6}"/>
-              </a:ext>
-              <a:ext uri="{C183D7F6-B498-43B3-948B-1728B52AA6E4}">
-                <adec:decorative xmlns:adec="http://schemas.microsoft.com/office/drawing/2017/decorative" val="1"/>
-              </a:ext>
-            </a:extLst>
-          </p:cNvPr>
-          <p:cNvSpPr>
-            <a:spLocks noGrp="1" noRot="1" noChangeAspect="1" noMove="1" noResize="1" noEditPoints="1" noAdjustHandles="1" noChangeArrowheads="1" noChangeShapeType="1" noTextEdit="1"/>
-          </p:cNvSpPr>
-          <p:nvPr>
-            <p:extLst>
-              <p:ext uri="{386F3935-93C4-4BCD-93E2-E3B085C9AB24}">
-                <p16:designElem xmlns:p16="http://schemas.microsoft.com/office/powerpoint/2015/main" val="1"/>
-              </p:ext>
-            </p:extLst>
-          </p:nvPr>
-        </p:nvSpPr>
-        <p:spPr>
-          <a:xfrm flipH="1">
-            <a:off x="6748333" y="0"/>
-            <a:ext cx="5443666" cy="6858000"/>
-          </a:xfrm>
-          <a:custGeom>
-            <a:avLst/>
-            <a:gdLst>
-              <a:gd name="connsiteX0" fmla="*/ 0 w 5443666"/>
-              <a:gd name="connsiteY0" fmla="*/ 0 h 6845983"/>
-              <a:gd name="connsiteX1" fmla="*/ 3595564 w 5443666"/>
-              <a:gd name="connsiteY1" fmla="*/ 0 h 6845983"/>
-              <a:gd name="connsiteX2" fmla="*/ 3746607 w 5443666"/>
-              <a:gd name="connsiteY2" fmla="*/ 118697 h 6845983"/>
-              <a:gd name="connsiteX3" fmla="*/ 5443666 w 5443666"/>
-              <a:gd name="connsiteY3" fmla="*/ 3717234 h 6845983"/>
-              <a:gd name="connsiteX4" fmla="*/ 4378763 w 5443666"/>
-              <a:gd name="connsiteY4" fmla="*/ 6683615 h 6845983"/>
-              <a:gd name="connsiteX5" fmla="*/ 4238117 w 5443666"/>
-              <a:gd name="connsiteY5" fmla="*/ 6845983 h 6845983"/>
-              <a:gd name="connsiteX6" fmla="*/ 0 w 5443666"/>
-              <a:gd name="connsiteY6" fmla="*/ 6845983 h 6845983"/>
-            </a:gdLst>
-            <a:ahLst/>
-            <a:cxnLst>
-              <a:cxn ang="0">
-                <a:pos x="connsiteX0" y="connsiteY0"/>
-              </a:cxn>
-              <a:cxn ang="0">
-                <a:pos x="connsiteX1" y="connsiteY1"/>
-              </a:cxn>
-              <a:cxn ang="0">
-                <a:pos x="connsiteX2" y="connsiteY2"/>
-              </a:cxn>
-              <a:cxn ang="0">
-                <a:pos x="connsiteX3" y="connsiteY3"/>
-              </a:cxn>
-              <a:cxn ang="0">
-                <a:pos x="connsiteX4" y="connsiteY4"/>
-              </a:cxn>
-              <a:cxn ang="0">
-                <a:pos x="connsiteX5" y="connsiteY5"/>
-              </a:cxn>
-              <a:cxn ang="0">
-                <a:pos x="connsiteX6" y="connsiteY6"/>
-              </a:cxn>
-            </a:cxnLst>
-            <a:rect l="l" t="t" r="r" b="b"/>
-            <a:pathLst>
-              <a:path w="5443666" h="6845983">
-                <a:moveTo>
-                  <a:pt x="0" y="0"/>
-                </a:moveTo>
-                <a:lnTo>
-                  <a:pt x="3595564" y="0"/>
-                </a:lnTo>
-                <a:lnTo>
-                  <a:pt x="3746607" y="118697"/>
-                </a:lnTo>
-                <a:cubicBezTo>
-                  <a:pt x="4783044" y="974041"/>
-                  <a:pt x="5443666" y="2268489"/>
-                  <a:pt x="5443666" y="3717234"/>
-                </a:cubicBezTo>
-                <a:cubicBezTo>
-                  <a:pt x="5443666" y="4844036"/>
-                  <a:pt x="5044030" y="5877498"/>
-                  <a:pt x="4378763" y="6683615"/>
-                </a:cubicBezTo>
-                <a:lnTo>
-                  <a:pt x="4238117" y="6845983"/>
-                </a:lnTo>
-                <a:lnTo>
-                  <a:pt x="0" y="6845983"/>
-                </a:lnTo>
-                <a:close/>
-              </a:path>
-            </a:pathLst>
-          </a:custGeom>
-          <a:solidFill>
-            <a:schemeClr val="tx1">
-              <a:alpha val="80000"/>
-            </a:schemeClr>
-          </a:solidFill>
-          <a:ln>
-            <a:noFill/>
-          </a:ln>
-        </p:spPr>
-        <p:style>
-          <a:lnRef idx="2">
-            <a:schemeClr val="accent1">
-              <a:shade val="50000"/>
-            </a:schemeClr>
-          </a:lnRef>
-          <a:fillRef idx="1">
-            <a:schemeClr val="accent1"/>
-          </a:fillRef>
-          <a:effectRef idx="0">
-            <a:schemeClr val="accent1"/>
-          </a:effectRef>
-          <a:fontRef idx="minor">
-            <a:schemeClr val="lt1"/>
-          </a:fontRef>
-        </p:style>
-        <p:txBody>
-          <a:bodyPr wrap="square" rtlCol="0" anchor="ctr">
-            <a:noAutofit/>
-          </a:bodyPr>
-          <a:lstStyle/>
-          <a:p>
-            <a:pPr algn="ctr"/>
-            <a:endParaRPr lang="en-US"/>
-          </a:p>
-        </p:txBody>
-      </p:sp>
-      <p:sp>
-        <p:nvSpPr>
-          <p:cNvPr id="46" name="Freeform: Shape 45">
-            <a:extLst>
-              <a:ext uri="{FF2B5EF4-FFF2-40B4-BE49-F238E27FC236}">
-                <a16:creationId xmlns:a16="http://schemas.microsoft.com/office/drawing/2014/main" id="{D6E95BAF-7B85-4D33-BD5C-94336D35CB9D}"/>
-              </a:ext>
-              <a:ext uri="{C183D7F6-B498-43B3-948B-1728B52AA6E4}">
-                <adec:decorative xmlns:adec="http://schemas.microsoft.com/office/drawing/2017/decorative" val="1"/>
-              </a:ext>
-            </a:extLst>
-          </p:cNvPr>
-          <p:cNvSpPr>
-            <a:spLocks noGrp="1" noRot="1" noChangeAspect="1" noMove="1" noResize="1" noEditPoints="1" noAdjustHandles="1" noChangeArrowheads="1" noChangeShapeType="1" noTextEdit="1"/>
-          </p:cNvSpPr>
-          <p:nvPr>
-            <p:extLst>
-              <p:ext uri="{386F3935-93C4-4BCD-93E2-E3B085C9AB24}">
-                <p16:designElem xmlns:p16="http://schemas.microsoft.com/office/powerpoint/2015/main" val="1"/>
-              </p:ext>
-            </p:extLst>
-          </p:nvPr>
-        </p:nvSpPr>
-        <p:spPr>
-          <a:xfrm flipH="1">
-            <a:off x="6976934" y="0"/>
-            <a:ext cx="5215066" cy="6858000"/>
-          </a:xfrm>
-          <a:custGeom>
-            <a:avLst/>
-            <a:gdLst>
-              <a:gd name="connsiteX0" fmla="*/ 0 w 5215066"/>
-              <a:gd name="connsiteY0" fmla="*/ 0 h 6858000"/>
-              <a:gd name="connsiteX1" fmla="*/ 3197713 w 5215066"/>
-              <a:gd name="connsiteY1" fmla="*/ 0 h 6858000"/>
-              <a:gd name="connsiteX2" fmla="*/ 3259787 w 5215066"/>
-              <a:gd name="connsiteY2" fmla="*/ 39865 h 6858000"/>
-              <a:gd name="connsiteX3" fmla="*/ 5215066 w 5215066"/>
-              <a:gd name="connsiteY3" fmla="*/ 3723759 h 6858000"/>
-              <a:gd name="connsiteX4" fmla="*/ 4202364 w 5215066"/>
-              <a:gd name="connsiteY4" fmla="*/ 6549681 h 6858000"/>
-              <a:gd name="connsiteX5" fmla="*/ 3922635 w 5215066"/>
-              <a:gd name="connsiteY5" fmla="*/ 6858000 h 6858000"/>
-              <a:gd name="connsiteX6" fmla="*/ 0 w 5215066"/>
-              <a:gd name="connsiteY6" fmla="*/ 6858000 h 6858000"/>
-            </a:gdLst>
-            <a:ahLst/>
-            <a:cxnLst>
-              <a:cxn ang="0">
-                <a:pos x="connsiteX0" y="connsiteY0"/>
-              </a:cxn>
-              <a:cxn ang="0">
-                <a:pos x="connsiteX1" y="connsiteY1"/>
-              </a:cxn>
-              <a:cxn ang="0">
-                <a:pos x="connsiteX2" y="connsiteY2"/>
-              </a:cxn>
-              <a:cxn ang="0">
-                <a:pos x="connsiteX3" y="connsiteY3"/>
-              </a:cxn>
-              <a:cxn ang="0">
-                <a:pos x="connsiteX4" y="connsiteY4"/>
-              </a:cxn>
-              <a:cxn ang="0">
-                <a:pos x="connsiteX5" y="connsiteY5"/>
-              </a:cxn>
-              <a:cxn ang="0">
-                <a:pos x="connsiteX6" y="connsiteY6"/>
-              </a:cxn>
-            </a:cxnLst>
-            <a:rect l="l" t="t" r="r" b="b"/>
-            <a:pathLst>
-              <a:path w="5215066" h="6858000">
-                <a:moveTo>
-                  <a:pt x="0" y="0"/>
-                </a:moveTo>
-                <a:lnTo>
-                  <a:pt x="3197713" y="0"/>
-                </a:lnTo>
-                <a:lnTo>
-                  <a:pt x="3259787" y="39865"/>
-                </a:lnTo>
-                <a:cubicBezTo>
-                  <a:pt x="4439462" y="838237"/>
-                  <a:pt x="5215066" y="2190263"/>
-                  <a:pt x="5215066" y="3723759"/>
-                </a:cubicBezTo>
-                <a:cubicBezTo>
-                  <a:pt x="5215066" y="4797206"/>
-                  <a:pt x="4835020" y="5781733"/>
-                  <a:pt x="4202364" y="6549681"/>
-                </a:cubicBezTo>
-                <a:lnTo>
-                  <a:pt x="3922635" y="6858000"/>
-                </a:lnTo>
-                <a:lnTo>
-                  <a:pt x="0" y="6858000"/>
-                </a:lnTo>
-                <a:close/>
-              </a:path>
-            </a:pathLst>
-          </a:custGeom>
-          <a:solidFill>
-            <a:schemeClr val="tx1"/>
-          </a:solidFill>
-          <a:ln>
-            <a:noFill/>
-          </a:ln>
-        </p:spPr>
-        <p:style>
-          <a:lnRef idx="2">
-            <a:schemeClr val="accent1">
-              <a:shade val="50000"/>
-            </a:schemeClr>
-          </a:lnRef>
-          <a:fillRef idx="1">
-            <a:schemeClr val="accent1"/>
-          </a:fillRef>
-          <a:effectRef idx="0">
-            <a:schemeClr val="accent1"/>
-          </a:effectRef>
-          <a:fontRef idx="minor">
-            <a:schemeClr val="lt1"/>
-          </a:fontRef>
-        </p:style>
-        <p:txBody>
-          <a:bodyPr wrap="square" rtlCol="0" anchor="ctr">
-            <a:noAutofit/>
-          </a:bodyPr>
-          <a:lstStyle/>
-          <a:p>
-            <a:pPr algn="ctr"/>
-            <a:endParaRPr lang="en-US"/>
-          </a:p>
-        </p:txBody>
-      </p:sp>
-      <p:sp>
-        <p:nvSpPr>
-          <p:cNvPr id="2" name="Title 1">
-            <a:extLst>
-              <a:ext uri="{FF2B5EF4-FFF2-40B4-BE49-F238E27FC236}">
-                <a16:creationId xmlns:a16="http://schemas.microsoft.com/office/drawing/2014/main" id="{D329242B-915E-4010-ACA5-26D34078AF0B}"/>
-              </a:ext>
-            </a:extLst>
-          </p:cNvPr>
-          <p:cNvSpPr>
-            <a:spLocks noGrp="1"/>
-          </p:cNvSpPr>
-          <p:nvPr>
-            <p:ph type="title"/>
-          </p:nvPr>
-        </p:nvSpPr>
-        <p:spPr>
-          <a:xfrm>
-            <a:off x="7912847" y="1090707"/>
-            <a:ext cx="3920565" cy="4676588"/>
-          </a:xfrm>
-        </p:spPr>
-        <p:txBody>
-          <a:bodyPr vert="horz" lIns="91440" tIns="45720" rIns="91440" bIns="45720" rtlCol="0" anchor="ctr">
-            <a:normAutofit/>
-          </a:bodyPr>
-          <a:lstStyle/>
-          <a:p>
-            <a:pPr algn="l">
-              <a:lnSpc>
-                <a:spcPct val="85000"/>
-              </a:lnSpc>
-            </a:pPr>
-            <a:r>
-              <a:rPr lang="en-US" sz="5400" cap="all" dirty="0">
-                <a:solidFill>
-                  <a:schemeClr val="bg1"/>
-                </a:solidFill>
-              </a:rPr>
-              <a:t>schema Diagram </a:t>
-            </a:r>
-          </a:p>
-        </p:txBody>
-      </p:sp>
-      <p:pic>
-        <p:nvPicPr>
-          <p:cNvPr id="7" name="Content Placeholder 6" descr="Diagram&#10;&#10;Description automatically generated">
-            <a:extLst>
-              <a:ext uri="{FF2B5EF4-FFF2-40B4-BE49-F238E27FC236}">
-                <a16:creationId xmlns:a16="http://schemas.microsoft.com/office/drawing/2014/main" id="{B34B533E-7B63-4773-8CE0-725B3DCE245A}"/>
-              </a:ext>
-            </a:extLst>
-          </p:cNvPr>
-          <p:cNvPicPr>
-            <a:picLocks noGrp="1" noChangeAspect="1"/>
-          </p:cNvPicPr>
-          <p:nvPr>
-            <p:ph idx="1"/>
-          </p:nvPr>
-        </p:nvPicPr>
-        <p:blipFill>
-          <a:blip r:embed="rId3"/>
-          <a:stretch>
-            <a:fillRect/>
-          </a:stretch>
-        </p:blipFill>
-        <p:spPr>
-          <a:xfrm>
-            <a:off x="1669281" y="1090707"/>
-            <a:ext cx="3941227" cy="4001246"/>
-          </a:xfrm>
-          <a:prstGeom prst="rect">
-            <a:avLst/>
-          </a:prstGeom>
-        </p:spPr>
-      </p:pic>
-    </p:spTree>
-    <p:extLst>
-      <p:ext uri="{BB962C8B-B14F-4D97-AF65-F5344CB8AC3E}">
-        <p14:creationId xmlns:p14="http://schemas.microsoft.com/office/powerpoint/2010/main" val="2132769977"/>
-      </p:ext>
-    </p:extLst>
-  </p:cSld>
-  <p:clrMapOvr>
-    <a:masterClrMapping/>
-  </p:clrMapOvr>
-</p:sld>
-</file>
-
-<file path=ppt/slides/slide7.xml><?xml version="1.0" encoding="utf-8"?>
-<p:sld xmlns:a="http://schemas.openxmlformats.org/drawingml/2006/main" xmlns:r="http://schemas.openxmlformats.org/officeDocument/2006/relationships" xmlns:p="http://schemas.openxmlformats.org/presentationml/2006/main">
-  <p:cSld>
-    <p:bg>
-      <p:bgPr>
-        <a:solidFill>
-          <a:schemeClr val="bg1"/>
-        </a:solidFill>
-        <a:effectLst/>
-      </p:bgPr>
-    </p:bg>
-    <p:spTree>
-      <p:nvGrpSpPr>
-        <p:cNvPr id="1" name=""/>
-        <p:cNvGrpSpPr/>
-        <p:nvPr/>
-      </p:nvGrpSpPr>
-      <p:grpSpPr>
-        <a:xfrm>
-          <a:off x="0" y="0"/>
-          <a:ext cx="0" cy="0"/>
-          <a:chOff x="0" y="0"/>
-          <a:chExt cx="0" cy="0"/>
-        </a:xfrm>
-      </p:grpSpPr>
-      <p:sp>
-        <p:nvSpPr>
           <p:cNvPr id="51" name="Freeform 6">
             <a:extLst>
               <a:ext uri="{FF2B5EF4-FFF2-40B4-BE49-F238E27FC236}">
@@ -21031,7 +20103,7 @@
           <p:cNvPr id="55" name="Rectangle 54">
             <a:extLst>
               <a:ext uri="{FF2B5EF4-FFF2-40B4-BE49-F238E27FC236}">
-                <a16:creationId xmlns:a16="http://schemas.microsoft.com/office/drawing/2014/main" id="{2A0E4E09-FC02-4ADC-951A-3FFA90B6FE39}"/>
+                <a16:creationId xmlns:a16="http://schemas.microsoft.com/office/drawing/2014/main" id="{9F8CD012-29F5-45B8-83DF-393C0A213BB2}"/>
               </a:ext>
               <a:ext uri="{C183D7F6-B498-43B3-948B-1728B52AA6E4}">
                 <adec:decorative xmlns:adec="http://schemas.microsoft.com/office/drawing/2017/decorative" val="1"/>
@@ -21049,10 +20121,10 @@
             </p:extLst>
           </p:nvPr>
         </p:nvSpPr>
-        <p:spPr>
+        <p:spPr bwMode="grayWhite">
           <a:xfrm>
-            <a:off x="305" y="0"/>
-            <a:ext cx="12191695" cy="6858000"/>
+            <a:off x="0" y="0"/>
+            <a:ext cx="12191999" cy="4562007"/>
           </a:xfrm>
           <a:prstGeom prst="rect">
             <a:avLst/>
@@ -21091,7 +20163,7 @@
           <p:cNvPr id="57" name="Freeform 6">
             <a:extLst>
               <a:ext uri="{FF2B5EF4-FFF2-40B4-BE49-F238E27FC236}">
-                <a16:creationId xmlns:a16="http://schemas.microsoft.com/office/drawing/2014/main" id="{D3686B33-4E07-4542-8F02-1876C8359B8D}"/>
+                <a16:creationId xmlns:a16="http://schemas.microsoft.com/office/drawing/2014/main" id="{D5807261-5AA8-4462-847C-7789D26717C1}"/>
               </a:ext>
               <a:ext uri="{C183D7F6-B498-43B3-948B-1728B52AA6E4}">
                 <adec:decorative xmlns:adec="http://schemas.microsoft.com/office/drawing/2017/decorative" val="1"/>
@@ -21110,8 +20182,8 @@
           </p:nvPr>
         </p:nvSpPr>
         <p:spPr bwMode="auto">
-          <a:xfrm flipH="1">
-            <a:off x="1" y="1189204"/>
+          <a:xfrm>
+            <a:off x="11784011" y="1263417"/>
             <a:ext cx="407988" cy="819150"/>
           </a:xfrm>
           <a:custGeom>
@@ -21302,10 +20374,10 @@
       </p:sp>
       <p:sp>
         <p:nvSpPr>
-          <p:cNvPr id="59" name="Freeform: Shape 58">
+          <p:cNvPr id="59" name="Rectangle 58">
             <a:extLst>
               <a:ext uri="{FF2B5EF4-FFF2-40B4-BE49-F238E27FC236}">
-                <a16:creationId xmlns:a16="http://schemas.microsoft.com/office/drawing/2014/main" id="{5D44B584-65A7-4029-A075-505AA5EAEBB6}"/>
+                <a16:creationId xmlns:a16="http://schemas.microsoft.com/office/drawing/2014/main" id="{5C9F31C1-4E46-4A89-877A-24BBC6D3F47D}"/>
               </a:ext>
               <a:ext uri="{C183D7F6-B498-43B3-948B-1728B52AA6E4}">
                 <adec:decorative xmlns:adec="http://schemas.microsoft.com/office/drawing/2017/decorative" val="1"/>
@@ -21323,89 +20395,16 @@
             </p:extLst>
           </p:nvPr>
         </p:nvSpPr>
-        <p:spPr>
-          <a:xfrm flipH="1">
-            <a:off x="6748333" y="0"/>
-            <a:ext cx="5443666" cy="6858000"/>
+        <p:spPr bwMode="grayWhite">
+          <a:xfrm>
+            <a:off x="1" y="4553146"/>
+            <a:ext cx="12191999" cy="2304854"/>
           </a:xfrm>
-          <a:custGeom>
+          <a:prstGeom prst="rect">
             <a:avLst/>
-            <a:gdLst>
-              <a:gd name="connsiteX0" fmla="*/ 0 w 5443666"/>
-              <a:gd name="connsiteY0" fmla="*/ 0 h 6845983"/>
-              <a:gd name="connsiteX1" fmla="*/ 3595564 w 5443666"/>
-              <a:gd name="connsiteY1" fmla="*/ 0 h 6845983"/>
-              <a:gd name="connsiteX2" fmla="*/ 3746607 w 5443666"/>
-              <a:gd name="connsiteY2" fmla="*/ 118697 h 6845983"/>
-              <a:gd name="connsiteX3" fmla="*/ 5443666 w 5443666"/>
-              <a:gd name="connsiteY3" fmla="*/ 3717234 h 6845983"/>
-              <a:gd name="connsiteX4" fmla="*/ 4378763 w 5443666"/>
-              <a:gd name="connsiteY4" fmla="*/ 6683615 h 6845983"/>
-              <a:gd name="connsiteX5" fmla="*/ 4238117 w 5443666"/>
-              <a:gd name="connsiteY5" fmla="*/ 6845983 h 6845983"/>
-              <a:gd name="connsiteX6" fmla="*/ 0 w 5443666"/>
-              <a:gd name="connsiteY6" fmla="*/ 6845983 h 6845983"/>
-            </a:gdLst>
-            <a:ahLst/>
-            <a:cxnLst>
-              <a:cxn ang="0">
-                <a:pos x="connsiteX0" y="connsiteY0"/>
-              </a:cxn>
-              <a:cxn ang="0">
-                <a:pos x="connsiteX1" y="connsiteY1"/>
-              </a:cxn>
-              <a:cxn ang="0">
-                <a:pos x="connsiteX2" y="connsiteY2"/>
-              </a:cxn>
-              <a:cxn ang="0">
-                <a:pos x="connsiteX3" y="connsiteY3"/>
-              </a:cxn>
-              <a:cxn ang="0">
-                <a:pos x="connsiteX4" y="connsiteY4"/>
-              </a:cxn>
-              <a:cxn ang="0">
-                <a:pos x="connsiteX5" y="connsiteY5"/>
-              </a:cxn>
-              <a:cxn ang="0">
-                <a:pos x="connsiteX6" y="connsiteY6"/>
-              </a:cxn>
-            </a:cxnLst>
-            <a:rect l="l" t="t" r="r" b="b"/>
-            <a:pathLst>
-              <a:path w="5443666" h="6845983">
-                <a:moveTo>
-                  <a:pt x="0" y="0"/>
-                </a:moveTo>
-                <a:lnTo>
-                  <a:pt x="3595564" y="0"/>
-                </a:lnTo>
-                <a:lnTo>
-                  <a:pt x="3746607" y="118697"/>
-                </a:lnTo>
-                <a:cubicBezTo>
-                  <a:pt x="4783044" y="974041"/>
-                  <a:pt x="5443666" y="2268489"/>
-                  <a:pt x="5443666" y="3717234"/>
-                </a:cubicBezTo>
-                <a:cubicBezTo>
-                  <a:pt x="5443666" y="4844036"/>
-                  <a:pt x="5044030" y="5877498"/>
-                  <a:pt x="4378763" y="6683615"/>
-                </a:cubicBezTo>
-                <a:lnTo>
-                  <a:pt x="4238117" y="6845983"/>
-                </a:lnTo>
-                <a:lnTo>
-                  <a:pt x="0" y="6845983"/>
-                </a:lnTo>
-                <a:close/>
-              </a:path>
-            </a:pathLst>
-          </a:custGeom>
+          </a:prstGeom>
           <a:solidFill>
-            <a:schemeClr val="tx1">
-              <a:alpha val="80000"/>
-            </a:schemeClr>
+            <a:schemeClr val="tx2"/>
           </a:solidFill>
           <a:ln>
             <a:noFill/>
@@ -21428,145 +20427,7 @@
           </a:fontRef>
         </p:style>
         <p:txBody>
-          <a:bodyPr wrap="square" rtlCol="0" anchor="ctr">
-            <a:noAutofit/>
-          </a:bodyPr>
-          <a:lstStyle/>
-          <a:p>
-            <a:pPr algn="ctr"/>
-            <a:endParaRPr lang="en-US"/>
-          </a:p>
-        </p:txBody>
-      </p:sp>
-      <p:sp>
-        <p:nvSpPr>
-          <p:cNvPr id="61" name="Freeform: Shape 60">
-            <a:extLst>
-              <a:ext uri="{FF2B5EF4-FFF2-40B4-BE49-F238E27FC236}">
-                <a16:creationId xmlns:a16="http://schemas.microsoft.com/office/drawing/2014/main" id="{D6E95BAF-7B85-4D33-BD5C-94336D35CB9D}"/>
-              </a:ext>
-              <a:ext uri="{C183D7F6-B498-43B3-948B-1728B52AA6E4}">
-                <adec:decorative xmlns:adec="http://schemas.microsoft.com/office/drawing/2017/decorative" val="1"/>
-              </a:ext>
-            </a:extLst>
-          </p:cNvPr>
-          <p:cNvSpPr>
-            <a:spLocks noGrp="1" noRot="1" noChangeAspect="1" noMove="1" noResize="1" noEditPoints="1" noAdjustHandles="1" noChangeArrowheads="1" noChangeShapeType="1" noTextEdit="1"/>
-          </p:cNvSpPr>
-          <p:nvPr>
-            <p:extLst>
-              <p:ext uri="{386F3935-93C4-4BCD-93E2-E3B085C9AB24}">
-                <p16:designElem xmlns:p16="http://schemas.microsoft.com/office/powerpoint/2015/main" val="1"/>
-              </p:ext>
-            </p:extLst>
-          </p:nvPr>
-        </p:nvSpPr>
-        <p:spPr>
-          <a:xfrm flipH="1">
-            <a:off x="6976934" y="0"/>
-            <a:ext cx="5215066" cy="6858000"/>
-          </a:xfrm>
-          <a:custGeom>
-            <a:avLst/>
-            <a:gdLst>
-              <a:gd name="connsiteX0" fmla="*/ 0 w 5215066"/>
-              <a:gd name="connsiteY0" fmla="*/ 0 h 6858000"/>
-              <a:gd name="connsiteX1" fmla="*/ 3197713 w 5215066"/>
-              <a:gd name="connsiteY1" fmla="*/ 0 h 6858000"/>
-              <a:gd name="connsiteX2" fmla="*/ 3259787 w 5215066"/>
-              <a:gd name="connsiteY2" fmla="*/ 39865 h 6858000"/>
-              <a:gd name="connsiteX3" fmla="*/ 5215066 w 5215066"/>
-              <a:gd name="connsiteY3" fmla="*/ 3723759 h 6858000"/>
-              <a:gd name="connsiteX4" fmla="*/ 4202364 w 5215066"/>
-              <a:gd name="connsiteY4" fmla="*/ 6549681 h 6858000"/>
-              <a:gd name="connsiteX5" fmla="*/ 3922635 w 5215066"/>
-              <a:gd name="connsiteY5" fmla="*/ 6858000 h 6858000"/>
-              <a:gd name="connsiteX6" fmla="*/ 0 w 5215066"/>
-              <a:gd name="connsiteY6" fmla="*/ 6858000 h 6858000"/>
-            </a:gdLst>
-            <a:ahLst/>
-            <a:cxnLst>
-              <a:cxn ang="0">
-                <a:pos x="connsiteX0" y="connsiteY0"/>
-              </a:cxn>
-              <a:cxn ang="0">
-                <a:pos x="connsiteX1" y="connsiteY1"/>
-              </a:cxn>
-              <a:cxn ang="0">
-                <a:pos x="connsiteX2" y="connsiteY2"/>
-              </a:cxn>
-              <a:cxn ang="0">
-                <a:pos x="connsiteX3" y="connsiteY3"/>
-              </a:cxn>
-              <a:cxn ang="0">
-                <a:pos x="connsiteX4" y="connsiteY4"/>
-              </a:cxn>
-              <a:cxn ang="0">
-                <a:pos x="connsiteX5" y="connsiteY5"/>
-              </a:cxn>
-              <a:cxn ang="0">
-                <a:pos x="connsiteX6" y="connsiteY6"/>
-              </a:cxn>
-            </a:cxnLst>
-            <a:rect l="l" t="t" r="r" b="b"/>
-            <a:pathLst>
-              <a:path w="5215066" h="6858000">
-                <a:moveTo>
-                  <a:pt x="0" y="0"/>
-                </a:moveTo>
-                <a:lnTo>
-                  <a:pt x="3197713" y="0"/>
-                </a:lnTo>
-                <a:lnTo>
-                  <a:pt x="3259787" y="39865"/>
-                </a:lnTo>
-                <a:cubicBezTo>
-                  <a:pt x="4439462" y="838237"/>
-                  <a:pt x="5215066" y="2190263"/>
-                  <a:pt x="5215066" y="3723759"/>
-                </a:cubicBezTo>
-                <a:cubicBezTo>
-                  <a:pt x="5215066" y="4797206"/>
-                  <a:pt x="4835020" y="5781733"/>
-                  <a:pt x="4202364" y="6549681"/>
-                </a:cubicBezTo>
-                <a:lnTo>
-                  <a:pt x="3922635" y="6858000"/>
-                </a:lnTo>
-                <a:lnTo>
-                  <a:pt x="0" y="6858000"/>
-                </a:lnTo>
-                <a:close/>
-              </a:path>
-            </a:pathLst>
-          </a:custGeom>
-          <a:solidFill>
-            <a:schemeClr val="tx1"/>
-          </a:solidFill>
-          <a:ln>
-            <a:noFill/>
-          </a:ln>
-        </p:spPr>
-        <p:style>
-          <a:lnRef idx="2">
-            <a:schemeClr val="accent1">
-              <a:shade val="50000"/>
-            </a:schemeClr>
-          </a:lnRef>
-          <a:fillRef idx="1">
-            <a:schemeClr val="accent1"/>
-          </a:fillRef>
-          <a:effectRef idx="0">
-            <a:schemeClr val="accent1"/>
-          </a:effectRef>
-          <a:fontRef idx="minor">
-            <a:schemeClr val="lt1"/>
-          </a:fontRef>
-        </p:style>
-        <p:txBody>
-          <a:bodyPr wrap="square" rtlCol="0" anchor="ctr">
-            <a:noAutofit/>
-          </a:bodyPr>
+          <a:bodyPr rtlCol="0" anchor="ctr"/>
           <a:lstStyle/>
           <a:p>
             <a:pPr algn="ctr"/>
@@ -21592,38 +20453,38 @@
         </p:nvSpPr>
         <p:spPr>
           <a:xfrm>
-            <a:off x="7912847" y="1090707"/>
-            <a:ext cx="3920565" cy="4676588"/>
+            <a:off x="643464" y="5202087"/>
+            <a:ext cx="9600863" cy="894704"/>
           </a:xfrm>
         </p:spPr>
         <p:txBody>
-          <a:bodyPr vert="horz" lIns="91440" tIns="45720" rIns="91440" bIns="45720" rtlCol="0" anchor="ctr">
+          <a:bodyPr vert="horz" lIns="91440" tIns="45720" rIns="91440" bIns="45720" rtlCol="0" anchor="t">
             <a:normAutofit/>
           </a:bodyPr>
           <a:lstStyle/>
           <a:p>
-            <a:pPr algn="l">
+            <a:pPr>
               <a:lnSpc>
                 <a:spcPct val="85000"/>
               </a:lnSpc>
             </a:pPr>
             <a:r>
-              <a:rPr lang="en-US" sz="5400" cap="all" dirty="0">
+              <a:rPr lang="en-US" sz="4800" cap="all">
                 <a:solidFill>
-                  <a:schemeClr val="bg1"/>
+                  <a:schemeClr val="bg2"/>
                 </a:solidFill>
               </a:rPr>
-              <a:t>schema Diagram  CONT.</a:t>
+              <a:t>schema Diagram </a:t>
             </a:r>
           </a:p>
         </p:txBody>
       </p:sp>
       <p:pic>
         <p:nvPicPr>
-          <p:cNvPr id="6" name="Content Placeholder 5" descr="Diagram&#10;&#10;Description automatically generated">
+          <p:cNvPr id="7" name="Content Placeholder 6">
             <a:extLst>
               <a:ext uri="{FF2B5EF4-FFF2-40B4-BE49-F238E27FC236}">
-                <a16:creationId xmlns:a16="http://schemas.microsoft.com/office/drawing/2014/main" id="{E394A56C-6E37-4D07-87CD-0163910F83C3}"/>
+                <a16:creationId xmlns:a16="http://schemas.microsoft.com/office/drawing/2014/main" id="{B34B533E-7B63-4773-8CE0-725B3DCE245A}"/>
               </a:ext>
             </a:extLst>
           </p:cNvPr>
@@ -21636,24 +20497,74 @@
         </p:nvPicPr>
         <p:blipFill>
           <a:blip r:embed="rId3"/>
-          <a:stretch>
-            <a:fillRect/>
-          </a:stretch>
+          <a:stretch/>
         </p:blipFill>
         <p:spPr>
           <a:xfrm>
-            <a:off x="605006" y="1090707"/>
-            <a:ext cx="5903972" cy="4737938"/>
+            <a:off x="1914793" y="402404"/>
+            <a:ext cx="8415664" cy="3829127"/>
           </a:xfrm>
           <a:prstGeom prst="rect">
             <a:avLst/>
           </a:prstGeom>
         </p:spPr>
       </p:pic>
+      <p:cxnSp>
+        <p:nvCxnSpPr>
+          <p:cNvPr id="61" name="Straight Connector 60">
+            <a:extLst>
+              <a:ext uri="{FF2B5EF4-FFF2-40B4-BE49-F238E27FC236}">
+                <a16:creationId xmlns:a16="http://schemas.microsoft.com/office/drawing/2014/main" id="{99B864D8-020F-455C-951E-BECB1D7E9E86}"/>
+              </a:ext>
+              <a:ext uri="{C183D7F6-B498-43B3-948B-1728B52AA6E4}">
+                <adec:decorative xmlns:adec="http://schemas.microsoft.com/office/drawing/2017/decorative" val="1"/>
+              </a:ext>
+            </a:extLst>
+          </p:cNvPr>
+          <p:cNvCxnSpPr>
+            <a:cxnSpLocks noGrp="1" noRot="1" noChangeAspect="1" noMove="1" noResize="1" noEditPoints="1" noAdjustHandles="1" noChangeArrowheads="1" noChangeShapeType="1"/>
+          </p:cNvCxnSpPr>
+          <p:nvPr>
+            <p:extLst>
+              <p:ext uri="{386F3935-93C4-4BCD-93E2-E3B085C9AB24}">
+                <p16:designElem xmlns:p16="http://schemas.microsoft.com/office/powerpoint/2015/main" val="1"/>
+              </p:ext>
+            </p:extLst>
+          </p:nvPr>
+        </p:nvCxnSpPr>
+        <p:spPr>
+          <a:xfrm flipH="1">
+            <a:off x="1" y="6178167"/>
+            <a:ext cx="10244326" cy="0"/>
+          </a:xfrm>
+          <a:prstGeom prst="line">
+            <a:avLst/>
+          </a:prstGeom>
+          <a:ln w="25400">
+            <a:solidFill>
+              <a:schemeClr val="bg2"/>
+            </a:solidFill>
+          </a:ln>
+        </p:spPr>
+        <p:style>
+          <a:lnRef idx="1">
+            <a:schemeClr val="accent1"/>
+          </a:lnRef>
+          <a:fillRef idx="0">
+            <a:schemeClr val="accent1"/>
+          </a:fillRef>
+          <a:effectRef idx="0">
+            <a:schemeClr val="accent1"/>
+          </a:effectRef>
+          <a:fontRef idx="minor">
+            <a:schemeClr val="tx1"/>
+          </a:fontRef>
+        </p:style>
+      </p:cxnSp>
     </p:spTree>
     <p:extLst>
       <p:ext uri="{BB962C8B-B14F-4D97-AF65-F5344CB8AC3E}">
-        <p14:creationId xmlns:p14="http://schemas.microsoft.com/office/powerpoint/2010/main" val="1648950705"/>
+        <p14:creationId xmlns:p14="http://schemas.microsoft.com/office/powerpoint/2010/main" val="2132769977"/>
       </p:ext>
     </p:extLst>
   </p:cSld>
@@ -21663,7 +20574,7 @@
 </p:sld>
 </file>
 
-<file path=ppt/slides/slide8.xml><?xml version="1.0" encoding="utf-8"?>
+<file path=ppt/slides/slide7.xml><?xml version="1.0" encoding="utf-8"?>
 <p:sld xmlns:a="http://schemas.openxmlformats.org/drawingml/2006/main" xmlns:r="http://schemas.openxmlformats.org/officeDocument/2006/relationships" xmlns:p="http://schemas.openxmlformats.org/presentationml/2006/main">
   <p:cSld>
     <p:bg>
@@ -21690,7 +20601,7 @@
       </p:grpSpPr>
       <p:sp>
         <p:nvSpPr>
-          <p:cNvPr id="86" name="Freeform 6">
+          <p:cNvPr id="101" name="Freeform 6">
             <a:extLst>
               <a:ext uri="{FF2B5EF4-FFF2-40B4-BE49-F238E27FC236}">
                 <a16:creationId xmlns:a16="http://schemas.microsoft.com/office/drawing/2014/main" id="{49EC5C96-A5B7-48AF-865B-32EA92606F85}"/>
@@ -21904,7 +20815,7 @@
       </p:sp>
       <p:cxnSp>
         <p:nvCxnSpPr>
-          <p:cNvPr id="88" name="Straight Connector 87">
+          <p:cNvPr id="103" name="Straight Connector 102">
             <a:extLst>
               <a:ext uri="{FF2B5EF4-FFF2-40B4-BE49-F238E27FC236}">
                 <a16:creationId xmlns:a16="http://schemas.microsoft.com/office/drawing/2014/main" id="{87D3361C-8AD4-4C09-8E01-4332488617AB}"/>
@@ -21956,7 +20867,7 @@
       </p:cxnSp>
       <p:sp>
         <p:nvSpPr>
-          <p:cNvPr id="90" name="Rectangle 89">
+          <p:cNvPr id="105" name="Rectangle 104">
             <a:extLst>
               <a:ext uri="{FF2B5EF4-FFF2-40B4-BE49-F238E27FC236}">
                 <a16:creationId xmlns:a16="http://schemas.microsoft.com/office/drawing/2014/main" id="{BCB3501C-0BF6-4941-B958-27196AD9A396}"/>
@@ -22063,7 +20974,7 @@
       </p:sp>
       <p:sp useBgFill="1">
         <p:nvSpPr>
-          <p:cNvPr id="92" name="Rectangle 91">
+          <p:cNvPr id="107" name="Rectangle 106">
             <a:extLst>
               <a:ext uri="{FF2B5EF4-FFF2-40B4-BE49-F238E27FC236}">
                 <a16:creationId xmlns:a16="http://schemas.microsoft.com/office/drawing/2014/main" id="{5D42485B-30FD-4C7E-978A-3962892E3306}"/>
@@ -22123,7 +21034,7 @@
       </p:sp>
       <p:cxnSp>
         <p:nvCxnSpPr>
-          <p:cNvPr id="94" name="Straight Connector 93">
+          <p:cNvPr id="109" name="Straight Connector 108">
             <a:extLst>
               <a:ext uri="{FF2B5EF4-FFF2-40B4-BE49-F238E27FC236}">
                 <a16:creationId xmlns:a16="http://schemas.microsoft.com/office/drawing/2014/main" id="{703E6347-0C1B-4131-8BB1-F198DEFDF82C}"/>
@@ -22175,7 +21086,7 @@
       </p:cxnSp>
       <p:pic>
         <p:nvPicPr>
-          <p:cNvPr id="4" name="Content Placeholder 3" descr="Diagram, schematic&#10;&#10;Description automatically generated">
+          <p:cNvPr id="4" name="Content Placeholder 3">
             <a:extLst>
               <a:ext uri="{FF2B5EF4-FFF2-40B4-BE49-F238E27FC236}">
                 <a16:creationId xmlns:a16="http://schemas.microsoft.com/office/drawing/2014/main" id="{EB3248FC-D738-418A-A52C-732117266E9C}"/>
@@ -22191,14 +21102,12 @@
         </p:nvPicPr>
         <p:blipFill>
           <a:blip r:embed="rId3"/>
-          <a:stretch>
-            <a:fillRect/>
-          </a:stretch>
+          <a:stretch/>
         </p:blipFill>
         <p:spPr>
           <a:xfrm>
-            <a:off x="1206266" y="1122511"/>
-            <a:ext cx="5946672" cy="5099272"/>
+            <a:off x="1577933" y="1122511"/>
+            <a:ext cx="5203338" cy="5099272"/>
           </a:xfrm>
           <a:prstGeom prst="rect">
             <a:avLst/>
@@ -22207,7 +21116,7 @@
       </p:pic>
       <p:sp>
         <p:nvSpPr>
-          <p:cNvPr id="96" name="Freeform 6">
+          <p:cNvPr id="111" name="Freeform 6">
             <a:extLst>
               <a:ext uri="{FF2B5EF4-FFF2-40B4-BE49-F238E27FC236}">
                 <a16:creationId xmlns:a16="http://schemas.microsoft.com/office/drawing/2014/main" id="{97E55B52-5304-40DB-BE2D-8EEB104CA2BC}"/>
@@ -22423,6 +21332,773 @@
     <p:extLst>
       <p:ext uri="{BB962C8B-B14F-4D97-AF65-F5344CB8AC3E}">
         <p14:creationId xmlns:p14="http://schemas.microsoft.com/office/powerpoint/2010/main" val="650173719"/>
+      </p:ext>
+    </p:extLst>
+  </p:cSld>
+  <p:clrMapOvr>
+    <a:masterClrMapping/>
+  </p:clrMapOvr>
+</p:sld>
+</file>
+
+<file path=ppt/slides/slide8.xml><?xml version="1.0" encoding="utf-8"?>
+<p:sld xmlns:a="http://schemas.openxmlformats.org/drawingml/2006/main" xmlns:r="http://schemas.openxmlformats.org/officeDocument/2006/relationships" xmlns:p="http://schemas.openxmlformats.org/presentationml/2006/main">
+  <p:cSld>
+    <p:bg>
+      <p:bgPr>
+        <a:solidFill>
+          <a:schemeClr val="bg1"/>
+        </a:solidFill>
+        <a:effectLst/>
+      </p:bgPr>
+    </p:bg>
+    <p:spTree>
+      <p:nvGrpSpPr>
+        <p:cNvPr id="1" name=""/>
+        <p:cNvGrpSpPr/>
+        <p:nvPr/>
+      </p:nvGrpSpPr>
+      <p:grpSpPr>
+        <a:xfrm>
+          <a:off x="0" y="0"/>
+          <a:ext cx="0" cy="0"/>
+          <a:chOff x="0" y="0"/>
+          <a:chExt cx="0" cy="0"/>
+        </a:xfrm>
+      </p:grpSpPr>
+      <p:sp>
+        <p:nvSpPr>
+          <p:cNvPr id="116" name="Freeform 6">
+            <a:extLst>
+              <a:ext uri="{FF2B5EF4-FFF2-40B4-BE49-F238E27FC236}">
+                <a16:creationId xmlns:a16="http://schemas.microsoft.com/office/drawing/2014/main" id="{49EC5C96-A5B7-48AF-865B-32EA92606F85}"/>
+              </a:ext>
+              <a:ext uri="{C183D7F6-B498-43B3-948B-1728B52AA6E4}">
+                <adec:decorative xmlns:adec="http://schemas.microsoft.com/office/drawing/2017/decorative" val="1"/>
+              </a:ext>
+            </a:extLst>
+          </p:cNvPr>
+          <p:cNvSpPr>
+            <a:spLocks noGrp="1" noRot="1" noChangeAspect="1" noMove="1" noResize="1" noEditPoints="1" noAdjustHandles="1" noChangeArrowheads="1" noChangeShapeType="1" noTextEdit="1"/>
+          </p:cNvSpPr>
+          <p:nvPr>
+            <p:extLst>
+              <p:ext uri="{386F3935-93C4-4BCD-93E2-E3B085C9AB24}">
+                <p16:designElem xmlns:p16="http://schemas.microsoft.com/office/powerpoint/2015/main" val="1"/>
+              </p:ext>
+            </p:extLst>
+          </p:nvPr>
+        </p:nvSpPr>
+        <p:spPr bwMode="auto">
+          <a:xfrm>
+            <a:off x="11784011" y="1189204"/>
+            <a:ext cx="407988" cy="819150"/>
+          </a:xfrm>
+          <a:custGeom>
+            <a:avLst/>
+            <a:gdLst/>
+            <a:ahLst/>
+            <a:cxnLst/>
+            <a:rect l="0" t="0" r="r" b="b"/>
+            <a:pathLst>
+              <a:path w="1799" h="3612">
+                <a:moveTo>
+                  <a:pt x="1799" y="0"/>
+                </a:moveTo>
+                <a:lnTo>
+                  <a:pt x="1799" y="3612"/>
+                </a:lnTo>
+                <a:lnTo>
+                  <a:pt x="1686" y="3609"/>
+                </a:lnTo>
+                <a:lnTo>
+                  <a:pt x="1574" y="3598"/>
+                </a:lnTo>
+                <a:lnTo>
+                  <a:pt x="1464" y="3581"/>
+                </a:lnTo>
+                <a:lnTo>
+                  <a:pt x="1357" y="3557"/>
+                </a:lnTo>
+                <a:lnTo>
+                  <a:pt x="1251" y="3527"/>
+                </a:lnTo>
+                <a:lnTo>
+                  <a:pt x="1150" y="3490"/>
+                </a:lnTo>
+                <a:lnTo>
+                  <a:pt x="1050" y="3448"/>
+                </a:lnTo>
+                <a:lnTo>
+                  <a:pt x="953" y="3401"/>
+                </a:lnTo>
+                <a:lnTo>
+                  <a:pt x="860" y="3347"/>
+                </a:lnTo>
+                <a:lnTo>
+                  <a:pt x="771" y="3289"/>
+                </a:lnTo>
+                <a:lnTo>
+                  <a:pt x="686" y="3224"/>
+                </a:lnTo>
+                <a:lnTo>
+                  <a:pt x="604" y="3156"/>
+                </a:lnTo>
+                <a:lnTo>
+                  <a:pt x="527" y="3083"/>
+                </a:lnTo>
+                <a:lnTo>
+                  <a:pt x="454" y="3005"/>
+                </a:lnTo>
+                <a:lnTo>
+                  <a:pt x="386" y="2923"/>
+                </a:lnTo>
+                <a:lnTo>
+                  <a:pt x="323" y="2838"/>
+                </a:lnTo>
+                <a:lnTo>
+                  <a:pt x="265" y="2748"/>
+                </a:lnTo>
+                <a:lnTo>
+                  <a:pt x="211" y="2655"/>
+                </a:lnTo>
+                <a:lnTo>
+                  <a:pt x="163" y="2559"/>
+                </a:lnTo>
+                <a:lnTo>
+                  <a:pt x="121" y="2459"/>
+                </a:lnTo>
+                <a:lnTo>
+                  <a:pt x="85" y="2356"/>
+                </a:lnTo>
+                <a:lnTo>
+                  <a:pt x="55" y="2251"/>
+                </a:lnTo>
+                <a:lnTo>
+                  <a:pt x="32" y="2143"/>
+                </a:lnTo>
+                <a:lnTo>
+                  <a:pt x="14" y="2033"/>
+                </a:lnTo>
+                <a:lnTo>
+                  <a:pt x="4" y="1920"/>
+                </a:lnTo>
+                <a:lnTo>
+                  <a:pt x="0" y="1806"/>
+                </a:lnTo>
+                <a:lnTo>
+                  <a:pt x="4" y="1692"/>
+                </a:lnTo>
+                <a:lnTo>
+                  <a:pt x="14" y="1580"/>
+                </a:lnTo>
+                <a:lnTo>
+                  <a:pt x="32" y="1469"/>
+                </a:lnTo>
+                <a:lnTo>
+                  <a:pt x="55" y="1362"/>
+                </a:lnTo>
+                <a:lnTo>
+                  <a:pt x="85" y="1256"/>
+                </a:lnTo>
+                <a:lnTo>
+                  <a:pt x="121" y="1154"/>
+                </a:lnTo>
+                <a:lnTo>
+                  <a:pt x="163" y="1054"/>
+                </a:lnTo>
+                <a:lnTo>
+                  <a:pt x="211" y="958"/>
+                </a:lnTo>
+                <a:lnTo>
+                  <a:pt x="265" y="864"/>
+                </a:lnTo>
+                <a:lnTo>
+                  <a:pt x="323" y="774"/>
+                </a:lnTo>
+                <a:lnTo>
+                  <a:pt x="386" y="689"/>
+                </a:lnTo>
+                <a:lnTo>
+                  <a:pt x="454" y="607"/>
+                </a:lnTo>
+                <a:lnTo>
+                  <a:pt x="527" y="529"/>
+                </a:lnTo>
+                <a:lnTo>
+                  <a:pt x="604" y="456"/>
+                </a:lnTo>
+                <a:lnTo>
+                  <a:pt x="686" y="388"/>
+                </a:lnTo>
+                <a:lnTo>
+                  <a:pt x="771" y="325"/>
+                </a:lnTo>
+                <a:lnTo>
+                  <a:pt x="860" y="266"/>
+                </a:lnTo>
+                <a:lnTo>
+                  <a:pt x="953" y="212"/>
+                </a:lnTo>
+                <a:lnTo>
+                  <a:pt x="1050" y="164"/>
+                </a:lnTo>
+                <a:lnTo>
+                  <a:pt x="1150" y="122"/>
+                </a:lnTo>
+                <a:lnTo>
+                  <a:pt x="1251" y="85"/>
+                </a:lnTo>
+                <a:lnTo>
+                  <a:pt x="1357" y="55"/>
+                </a:lnTo>
+                <a:lnTo>
+                  <a:pt x="1464" y="32"/>
+                </a:lnTo>
+                <a:lnTo>
+                  <a:pt x="1574" y="14"/>
+                </a:lnTo>
+                <a:lnTo>
+                  <a:pt x="1686" y="5"/>
+                </a:lnTo>
+                <a:lnTo>
+                  <a:pt x="1799" y="0"/>
+                </a:lnTo>
+                <a:close/>
+              </a:path>
+            </a:pathLst>
+          </a:custGeom>
+          <a:solidFill>
+            <a:schemeClr val="tx2"/>
+          </a:solidFill>
+          <a:ln w="0">
+            <a:noFill/>
+            <a:prstDash val="solid"/>
+            <a:round/>
+            <a:headEnd/>
+            <a:tailEnd/>
+          </a:ln>
+        </p:spPr>
+      </p:sp>
+      <p:cxnSp>
+        <p:nvCxnSpPr>
+          <p:cNvPr id="118" name="Straight Connector 117">
+            <a:extLst>
+              <a:ext uri="{FF2B5EF4-FFF2-40B4-BE49-F238E27FC236}">
+                <a16:creationId xmlns:a16="http://schemas.microsoft.com/office/drawing/2014/main" id="{87D3361C-8AD4-4C09-8E01-4332488617AB}"/>
+              </a:ext>
+              <a:ext uri="{C183D7F6-B498-43B3-948B-1728B52AA6E4}">
+                <adec:decorative xmlns:adec="http://schemas.microsoft.com/office/drawing/2017/decorative" val="1"/>
+              </a:ext>
+            </a:extLst>
+          </p:cNvPr>
+          <p:cNvCxnSpPr>
+            <a:cxnSpLocks noGrp="1" noRot="1" noChangeAspect="1" noMove="1" noResize="1" noEditPoints="1" noAdjustHandles="1" noChangeArrowheads="1" noChangeShapeType="1"/>
+          </p:cNvCxnSpPr>
+          <p:nvPr>
+            <p:extLst>
+              <p:ext uri="{386F3935-93C4-4BCD-93E2-E3B085C9AB24}">
+                <p16:designElem xmlns:p16="http://schemas.microsoft.com/office/powerpoint/2015/main" val="1"/>
+              </p:ext>
+            </p:extLst>
+          </p:nvPr>
+        </p:nvCxnSpPr>
+        <p:spPr>
+          <a:xfrm>
+            <a:off x="773855" y="1257300"/>
+            <a:ext cx="0" cy="5600700"/>
+          </a:xfrm>
+          <a:prstGeom prst="line">
+            <a:avLst/>
+          </a:prstGeom>
+          <a:ln w="25400">
+            <a:solidFill>
+              <a:schemeClr val="tx2"/>
+            </a:solidFill>
+          </a:ln>
+        </p:spPr>
+        <p:style>
+          <a:lnRef idx="1">
+            <a:schemeClr val="accent1"/>
+          </a:lnRef>
+          <a:fillRef idx="0">
+            <a:schemeClr val="accent1"/>
+          </a:fillRef>
+          <a:effectRef idx="0">
+            <a:schemeClr val="accent1"/>
+          </a:effectRef>
+          <a:fontRef idx="minor">
+            <a:schemeClr val="tx1"/>
+          </a:fontRef>
+        </p:style>
+      </p:cxnSp>
+      <p:sp useBgFill="1">
+        <p:nvSpPr>
+          <p:cNvPr id="120" name="Rectangle 119">
+            <a:extLst>
+              <a:ext uri="{FF2B5EF4-FFF2-40B4-BE49-F238E27FC236}">
+                <a16:creationId xmlns:a16="http://schemas.microsoft.com/office/drawing/2014/main" id="{9F8CD012-29F5-45B8-83DF-393C0A213BB2}"/>
+              </a:ext>
+              <a:ext uri="{C183D7F6-B498-43B3-948B-1728B52AA6E4}">
+                <adec:decorative xmlns:adec="http://schemas.microsoft.com/office/drawing/2017/decorative" val="1"/>
+              </a:ext>
+            </a:extLst>
+          </p:cNvPr>
+          <p:cNvSpPr>
+            <a:spLocks noGrp="1" noRot="1" noChangeAspect="1" noMove="1" noResize="1" noEditPoints="1" noAdjustHandles="1" noChangeArrowheads="1" noChangeShapeType="1" noTextEdit="1"/>
+          </p:cNvSpPr>
+          <p:nvPr>
+            <p:extLst>
+              <p:ext uri="{386F3935-93C4-4BCD-93E2-E3B085C9AB24}">
+                <p16:designElem xmlns:p16="http://schemas.microsoft.com/office/powerpoint/2015/main" val="1"/>
+              </p:ext>
+            </p:extLst>
+          </p:nvPr>
+        </p:nvSpPr>
+        <p:spPr bwMode="grayWhite">
+          <a:xfrm>
+            <a:off x="0" y="0"/>
+            <a:ext cx="12191999" cy="4562007"/>
+          </a:xfrm>
+          <a:prstGeom prst="rect">
+            <a:avLst/>
+          </a:prstGeom>
+          <a:ln>
+            <a:noFill/>
+          </a:ln>
+        </p:spPr>
+        <p:style>
+          <a:lnRef idx="2">
+            <a:schemeClr val="accent1">
+              <a:shade val="50000"/>
+            </a:schemeClr>
+          </a:lnRef>
+          <a:fillRef idx="1">
+            <a:schemeClr val="accent1"/>
+          </a:fillRef>
+          <a:effectRef idx="0">
+            <a:schemeClr val="accent1"/>
+          </a:effectRef>
+          <a:fontRef idx="minor">
+            <a:schemeClr val="lt1"/>
+          </a:fontRef>
+        </p:style>
+        <p:txBody>
+          <a:bodyPr rtlCol="0" anchor="ctr"/>
+          <a:lstStyle/>
+          <a:p>
+            <a:pPr algn="ctr"/>
+            <a:endParaRPr lang="en-US"/>
+          </a:p>
+        </p:txBody>
+      </p:sp>
+      <p:sp>
+        <p:nvSpPr>
+          <p:cNvPr id="122" name="Freeform 6">
+            <a:extLst>
+              <a:ext uri="{FF2B5EF4-FFF2-40B4-BE49-F238E27FC236}">
+                <a16:creationId xmlns:a16="http://schemas.microsoft.com/office/drawing/2014/main" id="{D5807261-5AA8-4462-847C-7789D26717C1}"/>
+              </a:ext>
+              <a:ext uri="{C183D7F6-B498-43B3-948B-1728B52AA6E4}">
+                <adec:decorative xmlns:adec="http://schemas.microsoft.com/office/drawing/2017/decorative" val="1"/>
+              </a:ext>
+            </a:extLst>
+          </p:cNvPr>
+          <p:cNvSpPr>
+            <a:spLocks noGrp="1" noRot="1" noChangeAspect="1" noMove="1" noResize="1" noEditPoints="1" noAdjustHandles="1" noChangeArrowheads="1" noChangeShapeType="1" noTextEdit="1"/>
+          </p:cNvSpPr>
+          <p:nvPr>
+            <p:extLst>
+              <p:ext uri="{386F3935-93C4-4BCD-93E2-E3B085C9AB24}">
+                <p16:designElem xmlns:p16="http://schemas.microsoft.com/office/powerpoint/2015/main" val="1"/>
+              </p:ext>
+            </p:extLst>
+          </p:nvPr>
+        </p:nvSpPr>
+        <p:spPr bwMode="auto">
+          <a:xfrm>
+            <a:off x="11784011" y="1263417"/>
+            <a:ext cx="407988" cy="819150"/>
+          </a:xfrm>
+          <a:custGeom>
+            <a:avLst/>
+            <a:gdLst/>
+            <a:ahLst/>
+            <a:cxnLst/>
+            <a:rect l="0" t="0" r="r" b="b"/>
+            <a:pathLst>
+              <a:path w="1799" h="3612">
+                <a:moveTo>
+                  <a:pt x="1799" y="0"/>
+                </a:moveTo>
+                <a:lnTo>
+                  <a:pt x="1799" y="3612"/>
+                </a:lnTo>
+                <a:lnTo>
+                  <a:pt x="1686" y="3609"/>
+                </a:lnTo>
+                <a:lnTo>
+                  <a:pt x="1574" y="3598"/>
+                </a:lnTo>
+                <a:lnTo>
+                  <a:pt x="1464" y="3581"/>
+                </a:lnTo>
+                <a:lnTo>
+                  <a:pt x="1357" y="3557"/>
+                </a:lnTo>
+                <a:lnTo>
+                  <a:pt x="1251" y="3527"/>
+                </a:lnTo>
+                <a:lnTo>
+                  <a:pt x="1150" y="3490"/>
+                </a:lnTo>
+                <a:lnTo>
+                  <a:pt x="1050" y="3448"/>
+                </a:lnTo>
+                <a:lnTo>
+                  <a:pt x="953" y="3401"/>
+                </a:lnTo>
+                <a:lnTo>
+                  <a:pt x="860" y="3347"/>
+                </a:lnTo>
+                <a:lnTo>
+                  <a:pt x="771" y="3289"/>
+                </a:lnTo>
+                <a:lnTo>
+                  <a:pt x="686" y="3224"/>
+                </a:lnTo>
+                <a:lnTo>
+                  <a:pt x="604" y="3156"/>
+                </a:lnTo>
+                <a:lnTo>
+                  <a:pt x="527" y="3083"/>
+                </a:lnTo>
+                <a:lnTo>
+                  <a:pt x="454" y="3005"/>
+                </a:lnTo>
+                <a:lnTo>
+                  <a:pt x="386" y="2923"/>
+                </a:lnTo>
+                <a:lnTo>
+                  <a:pt x="323" y="2838"/>
+                </a:lnTo>
+                <a:lnTo>
+                  <a:pt x="265" y="2748"/>
+                </a:lnTo>
+                <a:lnTo>
+                  <a:pt x="211" y="2655"/>
+                </a:lnTo>
+                <a:lnTo>
+                  <a:pt x="163" y="2559"/>
+                </a:lnTo>
+                <a:lnTo>
+                  <a:pt x="121" y="2459"/>
+                </a:lnTo>
+                <a:lnTo>
+                  <a:pt x="85" y="2356"/>
+                </a:lnTo>
+                <a:lnTo>
+                  <a:pt x="55" y="2251"/>
+                </a:lnTo>
+                <a:lnTo>
+                  <a:pt x="32" y="2143"/>
+                </a:lnTo>
+                <a:lnTo>
+                  <a:pt x="14" y="2033"/>
+                </a:lnTo>
+                <a:lnTo>
+                  <a:pt x="4" y="1920"/>
+                </a:lnTo>
+                <a:lnTo>
+                  <a:pt x="0" y="1806"/>
+                </a:lnTo>
+                <a:lnTo>
+                  <a:pt x="4" y="1692"/>
+                </a:lnTo>
+                <a:lnTo>
+                  <a:pt x="14" y="1580"/>
+                </a:lnTo>
+                <a:lnTo>
+                  <a:pt x="32" y="1469"/>
+                </a:lnTo>
+                <a:lnTo>
+                  <a:pt x="55" y="1362"/>
+                </a:lnTo>
+                <a:lnTo>
+                  <a:pt x="85" y="1256"/>
+                </a:lnTo>
+                <a:lnTo>
+                  <a:pt x="121" y="1154"/>
+                </a:lnTo>
+                <a:lnTo>
+                  <a:pt x="163" y="1054"/>
+                </a:lnTo>
+                <a:lnTo>
+                  <a:pt x="211" y="958"/>
+                </a:lnTo>
+                <a:lnTo>
+                  <a:pt x="265" y="864"/>
+                </a:lnTo>
+                <a:lnTo>
+                  <a:pt x="323" y="774"/>
+                </a:lnTo>
+                <a:lnTo>
+                  <a:pt x="386" y="689"/>
+                </a:lnTo>
+                <a:lnTo>
+                  <a:pt x="454" y="607"/>
+                </a:lnTo>
+                <a:lnTo>
+                  <a:pt x="527" y="529"/>
+                </a:lnTo>
+                <a:lnTo>
+                  <a:pt x="604" y="456"/>
+                </a:lnTo>
+                <a:lnTo>
+                  <a:pt x="686" y="388"/>
+                </a:lnTo>
+                <a:lnTo>
+                  <a:pt x="771" y="325"/>
+                </a:lnTo>
+                <a:lnTo>
+                  <a:pt x="860" y="266"/>
+                </a:lnTo>
+                <a:lnTo>
+                  <a:pt x="953" y="212"/>
+                </a:lnTo>
+                <a:lnTo>
+                  <a:pt x="1050" y="164"/>
+                </a:lnTo>
+                <a:lnTo>
+                  <a:pt x="1150" y="122"/>
+                </a:lnTo>
+                <a:lnTo>
+                  <a:pt x="1251" y="85"/>
+                </a:lnTo>
+                <a:lnTo>
+                  <a:pt x="1357" y="55"/>
+                </a:lnTo>
+                <a:lnTo>
+                  <a:pt x="1464" y="32"/>
+                </a:lnTo>
+                <a:lnTo>
+                  <a:pt x="1574" y="14"/>
+                </a:lnTo>
+                <a:lnTo>
+                  <a:pt x="1686" y="5"/>
+                </a:lnTo>
+                <a:lnTo>
+                  <a:pt x="1799" y="0"/>
+                </a:lnTo>
+                <a:close/>
+              </a:path>
+            </a:pathLst>
+          </a:custGeom>
+          <a:solidFill>
+            <a:schemeClr val="tx2"/>
+          </a:solidFill>
+          <a:ln w="0">
+            <a:noFill/>
+            <a:prstDash val="solid"/>
+            <a:round/>
+            <a:headEnd/>
+            <a:tailEnd/>
+          </a:ln>
+        </p:spPr>
+      </p:sp>
+      <p:sp>
+        <p:nvSpPr>
+          <p:cNvPr id="124" name="Rectangle 123">
+            <a:extLst>
+              <a:ext uri="{FF2B5EF4-FFF2-40B4-BE49-F238E27FC236}">
+                <a16:creationId xmlns:a16="http://schemas.microsoft.com/office/drawing/2014/main" id="{5C9F31C1-4E46-4A89-877A-24BBC6D3F47D}"/>
+              </a:ext>
+              <a:ext uri="{C183D7F6-B498-43B3-948B-1728B52AA6E4}">
+                <adec:decorative xmlns:adec="http://schemas.microsoft.com/office/drawing/2017/decorative" val="1"/>
+              </a:ext>
+            </a:extLst>
+          </p:cNvPr>
+          <p:cNvSpPr>
+            <a:spLocks noGrp="1" noRot="1" noChangeAspect="1" noMove="1" noResize="1" noEditPoints="1" noAdjustHandles="1" noChangeArrowheads="1" noChangeShapeType="1" noTextEdit="1"/>
+          </p:cNvSpPr>
+          <p:nvPr>
+            <p:extLst>
+              <p:ext uri="{386F3935-93C4-4BCD-93E2-E3B085C9AB24}">
+                <p16:designElem xmlns:p16="http://schemas.microsoft.com/office/powerpoint/2015/main" val="1"/>
+              </p:ext>
+            </p:extLst>
+          </p:nvPr>
+        </p:nvSpPr>
+        <p:spPr bwMode="grayWhite">
+          <a:xfrm>
+            <a:off x="1" y="4553146"/>
+            <a:ext cx="12191999" cy="2304854"/>
+          </a:xfrm>
+          <a:prstGeom prst="rect">
+            <a:avLst/>
+          </a:prstGeom>
+          <a:solidFill>
+            <a:schemeClr val="tx2"/>
+          </a:solidFill>
+          <a:ln>
+            <a:noFill/>
+          </a:ln>
+        </p:spPr>
+        <p:style>
+          <a:lnRef idx="2">
+            <a:schemeClr val="accent1">
+              <a:shade val="50000"/>
+            </a:schemeClr>
+          </a:lnRef>
+          <a:fillRef idx="1">
+            <a:schemeClr val="accent1"/>
+          </a:fillRef>
+          <a:effectRef idx="0">
+            <a:schemeClr val="accent1"/>
+          </a:effectRef>
+          <a:fontRef idx="minor">
+            <a:schemeClr val="lt1"/>
+          </a:fontRef>
+        </p:style>
+        <p:txBody>
+          <a:bodyPr rtlCol="0" anchor="ctr"/>
+          <a:lstStyle/>
+          <a:p>
+            <a:pPr algn="ctr"/>
+            <a:endParaRPr lang="en-US"/>
+          </a:p>
+        </p:txBody>
+      </p:sp>
+      <p:sp>
+        <p:nvSpPr>
+          <p:cNvPr id="2" name="Title 1">
+            <a:extLst>
+              <a:ext uri="{FF2B5EF4-FFF2-40B4-BE49-F238E27FC236}">
+                <a16:creationId xmlns:a16="http://schemas.microsoft.com/office/drawing/2014/main" id="{D329242B-915E-4010-ACA5-26D34078AF0B}"/>
+              </a:ext>
+            </a:extLst>
+          </p:cNvPr>
+          <p:cNvSpPr>
+            <a:spLocks noGrp="1"/>
+          </p:cNvSpPr>
+          <p:nvPr>
+            <p:ph type="title"/>
+          </p:nvPr>
+        </p:nvSpPr>
+        <p:spPr>
+          <a:xfrm>
+            <a:off x="643464" y="5202087"/>
+            <a:ext cx="9600863" cy="894704"/>
+          </a:xfrm>
+        </p:spPr>
+        <p:txBody>
+          <a:bodyPr vert="horz" lIns="91440" tIns="45720" rIns="91440" bIns="45720" rtlCol="0" anchor="t">
+            <a:normAutofit/>
+          </a:bodyPr>
+          <a:lstStyle/>
+          <a:p>
+            <a:pPr>
+              <a:lnSpc>
+                <a:spcPct val="85000"/>
+              </a:lnSpc>
+            </a:pPr>
+            <a:r>
+              <a:rPr lang="en-US" sz="4800" cap="all">
+                <a:solidFill>
+                  <a:schemeClr val="bg2"/>
+                </a:solidFill>
+              </a:rPr>
+              <a:t>Analytical Model</a:t>
+            </a:r>
+          </a:p>
+        </p:txBody>
+      </p:sp>
+      <p:pic>
+        <p:nvPicPr>
+          <p:cNvPr id="4" name="Content Placeholder 3" descr="Diagram&#10;&#10;Description automatically generated">
+            <a:extLst>
+              <a:ext uri="{FF2B5EF4-FFF2-40B4-BE49-F238E27FC236}">
+                <a16:creationId xmlns:a16="http://schemas.microsoft.com/office/drawing/2014/main" id="{EB3248FC-D738-418A-A52C-732117266E9C}"/>
+              </a:ext>
+            </a:extLst>
+          </p:cNvPr>
+          <p:cNvPicPr>
+            <a:picLocks noGrp="1" noChangeAspect="1"/>
+          </p:cNvPicPr>
+          <p:nvPr>
+            <p:ph idx="1"/>
+          </p:nvPr>
+        </p:nvPicPr>
+        <p:blipFill>
+          <a:blip r:embed="rId3"/>
+          <a:stretch/>
+        </p:blipFill>
+        <p:spPr>
+          <a:xfrm>
+            <a:off x="1207778" y="610826"/>
+            <a:ext cx="9036549" cy="3637211"/>
+          </a:xfrm>
+          <a:prstGeom prst="rect">
+            <a:avLst/>
+          </a:prstGeom>
+        </p:spPr>
+      </p:pic>
+      <p:cxnSp>
+        <p:nvCxnSpPr>
+          <p:cNvPr id="126" name="Straight Connector 125">
+            <a:extLst>
+              <a:ext uri="{FF2B5EF4-FFF2-40B4-BE49-F238E27FC236}">
+                <a16:creationId xmlns:a16="http://schemas.microsoft.com/office/drawing/2014/main" id="{99B864D8-020F-455C-951E-BECB1D7E9E86}"/>
+              </a:ext>
+              <a:ext uri="{C183D7F6-B498-43B3-948B-1728B52AA6E4}">
+                <adec:decorative xmlns:adec="http://schemas.microsoft.com/office/drawing/2017/decorative" val="1"/>
+              </a:ext>
+            </a:extLst>
+          </p:cNvPr>
+          <p:cNvCxnSpPr>
+            <a:cxnSpLocks noGrp="1" noRot="1" noChangeAspect="1" noMove="1" noResize="1" noEditPoints="1" noAdjustHandles="1" noChangeArrowheads="1" noChangeShapeType="1"/>
+          </p:cNvCxnSpPr>
+          <p:nvPr>
+            <p:extLst>
+              <p:ext uri="{386F3935-93C4-4BCD-93E2-E3B085C9AB24}">
+                <p16:designElem xmlns:p16="http://schemas.microsoft.com/office/powerpoint/2015/main" val="1"/>
+              </p:ext>
+            </p:extLst>
+          </p:nvPr>
+        </p:nvCxnSpPr>
+        <p:spPr>
+          <a:xfrm flipH="1">
+            <a:off x="1" y="6178167"/>
+            <a:ext cx="10244326" cy="0"/>
+          </a:xfrm>
+          <a:prstGeom prst="line">
+            <a:avLst/>
+          </a:prstGeom>
+          <a:ln w="25400">
+            <a:solidFill>
+              <a:schemeClr val="bg2"/>
+            </a:solidFill>
+          </a:ln>
+        </p:spPr>
+        <p:style>
+          <a:lnRef idx="1">
+            <a:schemeClr val="accent1"/>
+          </a:lnRef>
+          <a:fillRef idx="0">
+            <a:schemeClr val="accent1"/>
+          </a:fillRef>
+          <a:effectRef idx="0">
+            <a:schemeClr val="accent1"/>
+          </a:effectRef>
+          <a:fontRef idx="minor">
+            <a:schemeClr val="tx1"/>
+          </a:fontRef>
+        </p:style>
+      </p:cxnSp>
+    </p:spTree>
+    <p:extLst>
+      <p:ext uri="{BB962C8B-B14F-4D97-AF65-F5344CB8AC3E}">
+        <p14:creationId xmlns:p14="http://schemas.microsoft.com/office/powerpoint/2010/main" val="716805242"/>
       </p:ext>
     </p:extLst>
   </p:cSld>
